--- a/chapter6/RNN.pptx
+++ b/chapter6/RNN.pptx
@@ -2,13 +2,32 @@
 <file path=ppt/presentation.xml><?xml version="1.0" encoding="utf-8"?>
 <p:presentation xmlns:a="http://schemas.openxmlformats.org/drawingml/2006/main" xmlns:r="http://schemas.openxmlformats.org/officeDocument/2006/relationships" xmlns:p="http://schemas.openxmlformats.org/presentationml/2006/main" saveSubsetFonts="1">
   <p:sldMasterIdLst>
-    <p:sldMasterId id="2147483660" r:id="rId1"/>
+    <p:sldMasterId id="2147483677" r:id="rId1"/>
   </p:sldMasterIdLst>
+  <p:notesMasterIdLst>
+    <p:notesMasterId r:id="rId22"/>
+  </p:notesMasterIdLst>
   <p:sldIdLst>
     <p:sldId id="256" r:id="rId2"/>
     <p:sldId id="257" r:id="rId3"/>
-    <p:sldId id="258" r:id="rId4"/>
-    <p:sldId id="259" r:id="rId5"/>
+    <p:sldId id="275" r:id="rId4"/>
+    <p:sldId id="266" r:id="rId5"/>
+    <p:sldId id="267" r:id="rId6"/>
+    <p:sldId id="268" r:id="rId7"/>
+    <p:sldId id="272" r:id="rId8"/>
+    <p:sldId id="274" r:id="rId9"/>
+    <p:sldId id="263" r:id="rId10"/>
+    <p:sldId id="260" r:id="rId11"/>
+    <p:sldId id="258" r:id="rId12"/>
+    <p:sldId id="264" r:id="rId13"/>
+    <p:sldId id="259" r:id="rId14"/>
+    <p:sldId id="269" r:id="rId15"/>
+    <p:sldId id="270" r:id="rId16"/>
+    <p:sldId id="271" r:id="rId17"/>
+    <p:sldId id="261" r:id="rId18"/>
+    <p:sldId id="262" r:id="rId19"/>
+    <p:sldId id="273" r:id="rId20"/>
+    <p:sldId id="265" r:id="rId21"/>
   </p:sldIdLst>
   <p:sldSz cx="12192000" cy="6858000"/>
   <p:notesSz cx="6858000" cy="9144000"/>
@@ -107,11 +126,366 @@
       </a:defRPr>
     </a:lvl9pPr>
   </p:defaultTextStyle>
+  <p:extLst>
+    <p:ext uri="{EFAFB233-063F-42B5-8137-9DF3F51BA10A}">
+      <p15:sldGuideLst xmlns:p15="http://schemas.microsoft.com/office/powerpoint/2012/main"/>
+    </p:ext>
+  </p:extLst>
 </p:presentation>
 </file>
 
 <file path=ppt/revisionInfo.xml><?xml version="1.0" encoding="utf-8"?>
 <p1510:revInfo xmlns:a="http://schemas.openxmlformats.org/drawingml/2006/main" xmlns:r="http://schemas.openxmlformats.org/officeDocument/2006/relationships" xmlns:p1510="http://schemas.microsoft.com/office/powerpoint/2015/10/main"/>
+</file>
+
+<file path=ppt/notesMasters/notesMaster1.xml><?xml version="1.0" encoding="utf-8"?>
+<p:notesMaster xmlns:a="http://schemas.openxmlformats.org/drawingml/2006/main" xmlns:r="http://schemas.openxmlformats.org/officeDocument/2006/relationships" xmlns:p="http://schemas.openxmlformats.org/presentationml/2006/main">
+  <p:cSld>
+    <p:bg>
+      <p:bgRef idx="1001">
+        <a:schemeClr val="bg1"/>
+      </p:bgRef>
+    </p:bg>
+    <p:spTree>
+      <p:nvGrpSpPr>
+        <p:cNvPr id="1" name=""/>
+        <p:cNvGrpSpPr/>
+        <p:nvPr/>
+      </p:nvGrpSpPr>
+      <p:grpSpPr>
+        <a:xfrm>
+          <a:off x="0" y="0"/>
+          <a:ext cx="0" cy="0"/>
+          <a:chOff x="0" y="0"/>
+          <a:chExt cx="0" cy="0"/>
+        </a:xfrm>
+      </p:grpSpPr>
+      <p:sp>
+        <p:nvSpPr>
+          <p:cNvPr id="2" name="Header Placeholder 1"/>
+          <p:cNvSpPr>
+            <a:spLocks noGrp="1"/>
+          </p:cNvSpPr>
+          <p:nvPr>
+            <p:ph type="hdr" sz="quarter"/>
+          </p:nvPr>
+        </p:nvSpPr>
+        <p:spPr>
+          <a:xfrm>
+            <a:off x="0" y="0"/>
+            <a:ext cx="2971800" cy="458788"/>
+          </a:xfrm>
+          <a:prstGeom prst="rect">
+            <a:avLst/>
+          </a:prstGeom>
+        </p:spPr>
+        <p:txBody>
+          <a:bodyPr vert="horz" lIns="91440" tIns="45720" rIns="91440" bIns="45720" rtlCol="0"/>
+          <a:lstStyle>
+            <a:lvl1pPr algn="l">
+              <a:defRPr sz="1200"/>
+            </a:lvl1pPr>
+          </a:lstStyle>
+          <a:p>
+            <a:endParaRPr lang="en-US"/>
+          </a:p>
+        </p:txBody>
+      </p:sp>
+      <p:sp>
+        <p:nvSpPr>
+          <p:cNvPr id="3" name="Date Placeholder 2"/>
+          <p:cNvSpPr>
+            <a:spLocks noGrp="1"/>
+          </p:cNvSpPr>
+          <p:nvPr>
+            <p:ph type="dt" idx="1"/>
+          </p:nvPr>
+        </p:nvSpPr>
+        <p:spPr>
+          <a:xfrm>
+            <a:off x="3884613" y="0"/>
+            <a:ext cx="2971800" cy="458788"/>
+          </a:xfrm>
+          <a:prstGeom prst="rect">
+            <a:avLst/>
+          </a:prstGeom>
+        </p:spPr>
+        <p:txBody>
+          <a:bodyPr vert="horz" lIns="91440" tIns="45720" rIns="91440" bIns="45720" rtlCol="0"/>
+          <a:lstStyle>
+            <a:lvl1pPr algn="r">
+              <a:defRPr sz="1200"/>
+            </a:lvl1pPr>
+          </a:lstStyle>
+          <a:p>
+            <a:fld id="{70D34093-6685-374B-9D62-86BACDCA1A92}" type="datetimeFigureOut">
+              <a:rPr lang="en-US" smtClean="0"/>
+              <a:t>10/29/17</a:t>
+            </a:fld>
+            <a:endParaRPr lang="en-US"/>
+          </a:p>
+        </p:txBody>
+      </p:sp>
+      <p:sp>
+        <p:nvSpPr>
+          <p:cNvPr id="4" name="Slide Image Placeholder 3"/>
+          <p:cNvSpPr>
+            <a:spLocks noGrp="1" noRot="1" noChangeAspect="1"/>
+          </p:cNvSpPr>
+          <p:nvPr>
+            <p:ph type="sldImg" idx="2"/>
+          </p:nvPr>
+        </p:nvSpPr>
+        <p:spPr>
+          <a:xfrm>
+            <a:off x="685800" y="1143000"/>
+            <a:ext cx="5486400" cy="3086100"/>
+          </a:xfrm>
+          <a:prstGeom prst="rect">
+            <a:avLst/>
+          </a:prstGeom>
+          <a:noFill/>
+          <a:ln w="12700">
+            <a:solidFill>
+              <a:prstClr val="black"/>
+            </a:solidFill>
+          </a:ln>
+        </p:spPr>
+        <p:txBody>
+          <a:bodyPr vert="horz" lIns="91440" tIns="45720" rIns="91440" bIns="45720" rtlCol="0" anchor="ctr"/>
+          <a:lstStyle/>
+          <a:p>
+            <a:endParaRPr lang="en-US"/>
+          </a:p>
+        </p:txBody>
+      </p:sp>
+      <p:sp>
+        <p:nvSpPr>
+          <p:cNvPr id="5" name="Notes Placeholder 4"/>
+          <p:cNvSpPr>
+            <a:spLocks noGrp="1"/>
+          </p:cNvSpPr>
+          <p:nvPr>
+            <p:ph type="body" sz="quarter" idx="3"/>
+          </p:nvPr>
+        </p:nvSpPr>
+        <p:spPr>
+          <a:xfrm>
+            <a:off x="685800" y="4400550"/>
+            <a:ext cx="5486400" cy="3600450"/>
+          </a:xfrm>
+          <a:prstGeom prst="rect">
+            <a:avLst/>
+          </a:prstGeom>
+        </p:spPr>
+        <p:txBody>
+          <a:bodyPr vert="horz" lIns="91440" tIns="45720" rIns="91440" bIns="45720" rtlCol="0"/>
+          <a:lstStyle/>
+          <a:p>
+            <a:pPr lvl="0"/>
+            <a:r>
+              <a:rPr lang="en-US" smtClean="0"/>
+              <a:t>Click to edit Master text styles</a:t>
+            </a:r>
+          </a:p>
+          <a:p>
+            <a:pPr lvl="1"/>
+            <a:r>
+              <a:rPr lang="en-US" smtClean="0"/>
+              <a:t>Second level</a:t>
+            </a:r>
+          </a:p>
+          <a:p>
+            <a:pPr lvl="2"/>
+            <a:r>
+              <a:rPr lang="en-US" smtClean="0"/>
+              <a:t>Third level</a:t>
+            </a:r>
+          </a:p>
+          <a:p>
+            <a:pPr lvl="3"/>
+            <a:r>
+              <a:rPr lang="en-US" smtClean="0"/>
+              <a:t>Fourth level</a:t>
+            </a:r>
+          </a:p>
+          <a:p>
+            <a:pPr lvl="4"/>
+            <a:r>
+              <a:rPr lang="en-US" smtClean="0"/>
+              <a:t>Fifth level</a:t>
+            </a:r>
+            <a:endParaRPr lang="en-US"/>
+          </a:p>
+        </p:txBody>
+      </p:sp>
+      <p:sp>
+        <p:nvSpPr>
+          <p:cNvPr id="6" name="Footer Placeholder 5"/>
+          <p:cNvSpPr>
+            <a:spLocks noGrp="1"/>
+          </p:cNvSpPr>
+          <p:nvPr>
+            <p:ph type="ftr" sz="quarter" idx="4"/>
+          </p:nvPr>
+        </p:nvSpPr>
+        <p:spPr>
+          <a:xfrm>
+            <a:off x="0" y="8685213"/>
+            <a:ext cx="2971800" cy="458787"/>
+          </a:xfrm>
+          <a:prstGeom prst="rect">
+            <a:avLst/>
+          </a:prstGeom>
+        </p:spPr>
+        <p:txBody>
+          <a:bodyPr vert="horz" lIns="91440" tIns="45720" rIns="91440" bIns="45720" rtlCol="0" anchor="b"/>
+          <a:lstStyle>
+            <a:lvl1pPr algn="l">
+              <a:defRPr sz="1200"/>
+            </a:lvl1pPr>
+          </a:lstStyle>
+          <a:p>
+            <a:endParaRPr lang="en-US"/>
+          </a:p>
+        </p:txBody>
+      </p:sp>
+      <p:sp>
+        <p:nvSpPr>
+          <p:cNvPr id="7" name="Slide Number Placeholder 6"/>
+          <p:cNvSpPr>
+            <a:spLocks noGrp="1"/>
+          </p:cNvSpPr>
+          <p:nvPr>
+            <p:ph type="sldNum" sz="quarter" idx="5"/>
+          </p:nvPr>
+        </p:nvSpPr>
+        <p:spPr>
+          <a:xfrm>
+            <a:off x="3884613" y="8685213"/>
+            <a:ext cx="2971800" cy="458787"/>
+          </a:xfrm>
+          <a:prstGeom prst="rect">
+            <a:avLst/>
+          </a:prstGeom>
+        </p:spPr>
+        <p:txBody>
+          <a:bodyPr vert="horz" lIns="91440" tIns="45720" rIns="91440" bIns="45720" rtlCol="0" anchor="b"/>
+          <a:lstStyle>
+            <a:lvl1pPr algn="r">
+              <a:defRPr sz="1200"/>
+            </a:lvl1pPr>
+          </a:lstStyle>
+          <a:p>
+            <a:fld id="{731D5BF0-882E-3B4C-83E9-2D90C847D0DC}" type="slidenum">
+              <a:rPr lang="en-US" smtClean="0"/>
+              <a:t>‹#›</a:t>
+            </a:fld>
+            <a:endParaRPr lang="en-US"/>
+          </a:p>
+        </p:txBody>
+      </p:sp>
+    </p:spTree>
+    <p:extLst>
+      <p:ext uri="{BB962C8B-B14F-4D97-AF65-F5344CB8AC3E}">
+        <p14:creationId xmlns:p14="http://schemas.microsoft.com/office/powerpoint/2010/main" val="573382886"/>
+      </p:ext>
+    </p:extLst>
+  </p:cSld>
+  <p:clrMap bg1="lt1" tx1="dk1" bg2="lt2" tx2="dk2" accent1="accent1" accent2="accent2" accent3="accent3" accent4="accent4" accent5="accent5" accent6="accent6" hlink="hlink" folHlink="folHlink"/>
+  <p:notesStyle>
+    <a:lvl1pPr marL="0" algn="l" defTabSz="914400" rtl="0" eaLnBrk="1" latinLnBrk="0" hangingPunct="1">
+      <a:defRPr sz="1200" kern="1200">
+        <a:solidFill>
+          <a:schemeClr val="tx1"/>
+        </a:solidFill>
+        <a:latin typeface="+mn-lt"/>
+        <a:ea typeface="+mn-ea"/>
+        <a:cs typeface="+mn-cs"/>
+      </a:defRPr>
+    </a:lvl1pPr>
+    <a:lvl2pPr marL="457200" algn="l" defTabSz="914400" rtl="0" eaLnBrk="1" latinLnBrk="0" hangingPunct="1">
+      <a:defRPr sz="1200" kern="1200">
+        <a:solidFill>
+          <a:schemeClr val="tx1"/>
+        </a:solidFill>
+        <a:latin typeface="+mn-lt"/>
+        <a:ea typeface="+mn-ea"/>
+        <a:cs typeface="+mn-cs"/>
+      </a:defRPr>
+    </a:lvl2pPr>
+    <a:lvl3pPr marL="914400" algn="l" defTabSz="914400" rtl="0" eaLnBrk="1" latinLnBrk="0" hangingPunct="1">
+      <a:defRPr sz="1200" kern="1200">
+        <a:solidFill>
+          <a:schemeClr val="tx1"/>
+        </a:solidFill>
+        <a:latin typeface="+mn-lt"/>
+        <a:ea typeface="+mn-ea"/>
+        <a:cs typeface="+mn-cs"/>
+      </a:defRPr>
+    </a:lvl3pPr>
+    <a:lvl4pPr marL="1371600" algn="l" defTabSz="914400" rtl="0" eaLnBrk="1" latinLnBrk="0" hangingPunct="1">
+      <a:defRPr sz="1200" kern="1200">
+        <a:solidFill>
+          <a:schemeClr val="tx1"/>
+        </a:solidFill>
+        <a:latin typeface="+mn-lt"/>
+        <a:ea typeface="+mn-ea"/>
+        <a:cs typeface="+mn-cs"/>
+      </a:defRPr>
+    </a:lvl4pPr>
+    <a:lvl5pPr marL="1828800" algn="l" defTabSz="914400" rtl="0" eaLnBrk="1" latinLnBrk="0" hangingPunct="1">
+      <a:defRPr sz="1200" kern="1200">
+        <a:solidFill>
+          <a:schemeClr val="tx1"/>
+        </a:solidFill>
+        <a:latin typeface="+mn-lt"/>
+        <a:ea typeface="+mn-ea"/>
+        <a:cs typeface="+mn-cs"/>
+      </a:defRPr>
+    </a:lvl5pPr>
+    <a:lvl6pPr marL="2286000" algn="l" defTabSz="914400" rtl="0" eaLnBrk="1" latinLnBrk="0" hangingPunct="1">
+      <a:defRPr sz="1200" kern="1200">
+        <a:solidFill>
+          <a:schemeClr val="tx1"/>
+        </a:solidFill>
+        <a:latin typeface="+mn-lt"/>
+        <a:ea typeface="+mn-ea"/>
+        <a:cs typeface="+mn-cs"/>
+      </a:defRPr>
+    </a:lvl6pPr>
+    <a:lvl7pPr marL="2743200" algn="l" defTabSz="914400" rtl="0" eaLnBrk="1" latinLnBrk="0" hangingPunct="1">
+      <a:defRPr sz="1200" kern="1200">
+        <a:solidFill>
+          <a:schemeClr val="tx1"/>
+        </a:solidFill>
+        <a:latin typeface="+mn-lt"/>
+        <a:ea typeface="+mn-ea"/>
+        <a:cs typeface="+mn-cs"/>
+      </a:defRPr>
+    </a:lvl7pPr>
+    <a:lvl8pPr marL="3200400" algn="l" defTabSz="914400" rtl="0" eaLnBrk="1" latinLnBrk="0" hangingPunct="1">
+      <a:defRPr sz="1200" kern="1200">
+        <a:solidFill>
+          <a:schemeClr val="tx1"/>
+        </a:solidFill>
+        <a:latin typeface="+mn-lt"/>
+        <a:ea typeface="+mn-ea"/>
+        <a:cs typeface="+mn-cs"/>
+      </a:defRPr>
+    </a:lvl8pPr>
+    <a:lvl9pPr marL="3657600" algn="l" defTabSz="914400" rtl="0" eaLnBrk="1" latinLnBrk="0" hangingPunct="1">
+      <a:defRPr sz="1200" kern="1200">
+        <a:solidFill>
+          <a:schemeClr val="tx1"/>
+        </a:solidFill>
+        <a:latin typeface="+mn-lt"/>
+        <a:ea typeface="+mn-ea"/>
+        <a:cs typeface="+mn-cs"/>
+      </a:defRPr>
+    </a:lvl9pPr>
+  </p:notesStyle>
+</p:notesMaster>
 </file>
 
 <file path=ppt/slideLayouts/slideLayout1.xml><?xml version="1.0" encoding="utf-8"?>
@@ -133,7 +507,7 @@
       </p:grpSpPr>
       <p:grpSp>
         <p:nvGrpSpPr>
-          <p:cNvPr id="7" name="Group 6"/>
+          <p:cNvPr id="16" name="Group 15"/>
           <p:cNvGrpSpPr/>
           <p:nvPr/>
         </p:nvGrpSpPr>
@@ -145,9 +519,72 @@
             <a:chExt cx="12192000" cy="6866467"/>
           </a:xfrm>
         </p:grpSpPr>
+        <p:sp>
+          <p:nvSpPr>
+            <p:cNvPr id="15" name="Freeform 14"/>
+            <p:cNvSpPr/>
+            <p:nvPr/>
+          </p:nvSpPr>
+          <p:spPr>
+            <a:xfrm>
+              <a:off x="0" y="-7862"/>
+              <a:ext cx="863600" cy="5698067"/>
+            </a:xfrm>
+            <a:custGeom>
+              <a:avLst/>
+              <a:gdLst/>
+              <a:ahLst/>
+              <a:cxnLst/>
+              <a:rect l="l" t="t" r="r" b="b"/>
+              <a:pathLst>
+                <a:path w="863600" h="5698067">
+                  <a:moveTo>
+                    <a:pt x="0" y="8467"/>
+                  </a:moveTo>
+                  <a:lnTo>
+                    <a:pt x="863600" y="0"/>
+                  </a:lnTo>
+                  <a:lnTo>
+                    <a:pt x="863600" y="16934"/>
+                  </a:lnTo>
+                  <a:lnTo>
+                    <a:pt x="0" y="5698067"/>
+                  </a:lnTo>
+                  <a:lnTo>
+                    <a:pt x="0" y="8467"/>
+                  </a:lnTo>
+                  <a:close/>
+                </a:path>
+              </a:pathLst>
+            </a:custGeom>
+            <a:solidFill>
+              <a:schemeClr val="accent1">
+                <a:alpha val="70000"/>
+              </a:schemeClr>
+            </a:solidFill>
+            <a:ln>
+              <a:noFill/>
+            </a:ln>
+            <a:effectLst/>
+          </p:spPr>
+          <p:style>
+            <a:lnRef idx="1">
+              <a:schemeClr val="accent1"/>
+            </a:lnRef>
+            <a:fillRef idx="3">
+              <a:schemeClr val="accent1"/>
+            </a:fillRef>
+            <a:effectRef idx="2">
+              <a:schemeClr val="accent1"/>
+            </a:effectRef>
+            <a:fontRef idx="minor">
+              <a:schemeClr val="lt1"/>
+            </a:fontRef>
+          </p:style>
+        </p:sp>
         <p:cxnSp>
           <p:nvCxnSpPr>
-            <p:cNvPr id="32" name="Straight Connector 31"/>
+            <p:cNvPr id="19" name="Straight Connector 18"/>
             <p:cNvCxnSpPr/>
             <p:nvPr/>
           </p:nvCxnSpPr>
@@ -161,8 +598,8 @@
             </a:prstGeom>
             <a:ln w="9525">
               <a:solidFill>
-                <a:schemeClr val="bg1">
-                  <a:lumMod val="75000"/>
+                <a:schemeClr val="accent1">
+                  <a:alpha val="70000"/>
                 </a:schemeClr>
               </a:solidFill>
             </a:ln>
@@ -184,7 +621,7 @@
         </p:cxnSp>
         <p:cxnSp>
           <p:nvCxnSpPr>
-            <p:cNvPr id="21" name="Straight Connector 20"/>
+            <p:cNvPr id="20" name="Straight Connector 19"/>
             <p:cNvCxnSpPr/>
             <p:nvPr/>
           </p:nvCxnSpPr>
@@ -198,8 +635,8 @@
             </a:prstGeom>
             <a:ln w="9525">
               <a:solidFill>
-                <a:schemeClr val="bg1">
-                  <a:lumMod val="85000"/>
+                <a:schemeClr val="accent1">
+                  <a:alpha val="70000"/>
                 </a:schemeClr>
               </a:solidFill>
             </a:ln>
@@ -221,7 +658,7 @@
         </p:cxnSp>
         <p:sp>
           <p:nvSpPr>
-            <p:cNvPr id="24" name="Rectangle 23"/>
+            <p:cNvPr id="21" name="Rectangle 23"/>
             <p:cNvSpPr/>
             <p:nvPr/>
           </p:nvSpPr>
@@ -259,7 +696,7 @@
             </a:custGeom>
             <a:solidFill>
               <a:schemeClr val="accent1">
-                <a:alpha val="30000"/>
+                <a:alpha val="36000"/>
               </a:schemeClr>
             </a:solidFill>
             <a:ln>
@@ -284,7 +721,7 @@
         </p:sp>
         <p:sp>
           <p:nvSpPr>
-            <p:cNvPr id="26" name="Rectangle 25"/>
+            <p:cNvPr id="22" name="Rectangle 25"/>
             <p:cNvSpPr/>
             <p:nvPr/>
           </p:nvSpPr>
@@ -347,7 +784,7 @@
         </p:sp>
         <p:sp>
           <p:nvSpPr>
-            <p:cNvPr id="27" name="Isosceles Triangle 26"/>
+            <p:cNvPr id="23" name="Isosceles Triangle 22"/>
             <p:cNvSpPr/>
             <p:nvPr/>
           </p:nvSpPr>
@@ -362,8 +799,9 @@
               </a:avLst>
             </a:prstGeom>
             <a:solidFill>
-              <a:schemeClr val="accent2">
-                <a:alpha val="72000"/>
+              <a:schemeClr val="accent1">
+                <a:lumMod val="75000"/>
+                <a:alpha val="66000"/>
               </a:schemeClr>
             </a:solidFill>
             <a:ln>
@@ -388,7 +826,7 @@
         </p:sp>
         <p:sp>
           <p:nvSpPr>
-            <p:cNvPr id="28" name="Rectangle 27"/>
+            <p:cNvPr id="24" name="Rectangle 27"/>
             <p:cNvSpPr/>
             <p:nvPr/>
           </p:nvSpPr>
@@ -425,9 +863,9 @@
               </a:pathLst>
             </a:custGeom>
             <a:solidFill>
-              <a:schemeClr val="accent2">
+              <a:schemeClr val="accent1">
                 <a:lumMod val="75000"/>
-                <a:alpha val="70000"/>
+                <a:alpha val="50000"/>
               </a:schemeClr>
             </a:solidFill>
             <a:ln>
@@ -452,7 +890,7 @@
         </p:sp>
         <p:sp>
           <p:nvSpPr>
-            <p:cNvPr id="29" name="Rectangle 28"/>
+            <p:cNvPr id="25" name="Rectangle 28"/>
             <p:cNvSpPr/>
             <p:nvPr/>
           </p:nvSpPr>
@@ -489,9 +927,7 @@
               </a:pathLst>
             </a:custGeom>
             <a:solidFill>
-              <a:schemeClr val="accent1">
-                <a:lumMod val="60000"/>
-                <a:lumOff val="40000"/>
+              <a:schemeClr val="accent2">
                 <a:alpha val="70000"/>
               </a:schemeClr>
             </a:solidFill>
@@ -517,7 +953,7 @@
         </p:sp>
         <p:sp>
           <p:nvSpPr>
-            <p:cNvPr id="30" name="Rectangle 29"/>
+            <p:cNvPr id="26" name="Rectangle 29"/>
             <p:cNvSpPr/>
             <p:nvPr/>
           </p:nvSpPr>
@@ -554,48 +990,8 @@
               </a:pathLst>
             </a:custGeom>
             <a:solidFill>
-              <a:schemeClr val="accent1">
-                <a:alpha val="65000"/>
-              </a:schemeClr>
-            </a:solidFill>
-            <a:ln>
-              <a:noFill/>
-            </a:ln>
-            <a:effectLst/>
-          </p:spPr>
-          <p:style>
-            <a:lnRef idx="1">
-              <a:schemeClr val="accent1"/>
-            </a:lnRef>
-            <a:fillRef idx="3">
-              <a:schemeClr val="accent1"/>
-            </a:fillRef>
-            <a:effectRef idx="2">
-              <a:schemeClr val="accent1"/>
-            </a:effectRef>
-            <a:fontRef idx="minor">
-              <a:schemeClr val="lt1"/>
-            </a:fontRef>
-          </p:style>
-        </p:sp>
-        <p:sp>
-          <p:nvSpPr>
-            <p:cNvPr id="31" name="Isosceles Triangle 30"/>
-            <p:cNvSpPr/>
-            <p:nvPr/>
-          </p:nvSpPr>
-          <p:spPr>
-            <a:xfrm>
-              <a:off x="10371666" y="3589867"/>
-              <a:ext cx="1817159" cy="3268133"/>
-            </a:xfrm>
-            <a:prstGeom prst="triangle">
-              <a:avLst>
-                <a:gd name="adj" fmla="val 100000"/>
-              </a:avLst>
-            </a:prstGeom>
-            <a:solidFill>
-              <a:schemeClr val="accent1">
+              <a:schemeClr val="accent2">
+                <a:lumMod val="75000"/>
                 <a:alpha val="80000"/>
               </a:schemeClr>
             </a:solidFill>
@@ -621,14 +1017,14 @@
         </p:sp>
         <p:sp>
           <p:nvSpPr>
-            <p:cNvPr id="19" name="Isosceles Triangle 18"/>
+            <p:cNvPr id="27" name="Isosceles Triangle 26"/>
             <p:cNvSpPr/>
             <p:nvPr/>
           </p:nvSpPr>
           <p:spPr>
-            <a:xfrm rot="10800000">
-              <a:off x="0" y="0"/>
-              <a:ext cx="842596" cy="5666154"/>
+            <a:xfrm>
+              <a:off x="10371666" y="3589867"/>
+              <a:ext cx="1817159" cy="3268133"/>
             </a:xfrm>
             <a:prstGeom prst="triangle">
               <a:avLst>
@@ -637,7 +1033,8 @@
             </a:prstGeom>
             <a:solidFill>
               <a:schemeClr val="accent1">
-                <a:alpha val="85000"/>
+                <a:lumMod val="75000"/>
+                <a:alpha val="66000"/>
               </a:schemeClr>
             </a:solidFill>
             <a:ln>
@@ -692,7 +1089,7 @@
           </a:lstStyle>
           <a:p>
             <a:r>
-              <a:rPr lang="en-US"/>
+              <a:rPr lang="en-US" smtClean="0"/>
               <a:t>Click to edit Master title style</a:t>
             </a:r>
             <a:endParaRPr lang="en-US" dirty="0"/>
@@ -812,7 +1209,7 @@
           </a:lstStyle>
           <a:p>
             <a:r>
-              <a:rPr lang="en-US"/>
+              <a:rPr lang="en-US" smtClean="0"/>
               <a:t>Click to edit Master subtitle style</a:t>
             </a:r>
             <a:endParaRPr lang="en-US" dirty="0"/>
@@ -836,7 +1233,7 @@
           <a:p>
             <a:fld id="{65E7B355-5CB2-476B-BDB6-8F519B1AE92A}" type="datetimeFigureOut">
               <a:rPr lang="en-US" smtClean="0"/>
-              <a:t>9/25/2017</a:t>
+              <a:t>10/29/17</a:t>
             </a:fld>
             <a:endParaRPr lang="en-US"/>
           </a:p>
@@ -885,15 +1282,13 @@
         </p:txBody>
       </p:sp>
     </p:spTree>
-    <p:extLst>
-      <p:ext uri="{BB962C8B-B14F-4D97-AF65-F5344CB8AC3E}">
-        <p14:creationId xmlns:p14="http://schemas.microsoft.com/office/powerpoint/2010/main" val="2749578634"/>
-      </p:ext>
-    </p:extLst>
   </p:cSld>
   <p:clrMapOvr>
     <a:masterClrMapping/>
   </p:clrMapOvr>
+  <p:transition spd="slow">
+    <p:push dir="u"/>
+  </p:transition>
 </p:sldLayout>
 </file>
 
@@ -941,7 +1336,7 @@
           </a:lstStyle>
           <a:p>
             <a:r>
-              <a:rPr lang="en-US"/>
+              <a:rPr lang="en-US" smtClean="0"/>
               <a:t>Click to edit Master title style</a:t>
             </a:r>
             <a:endParaRPr lang="en-US" dirty="0"/>
@@ -1064,8 +1459,8 @@
           <a:p>
             <a:pPr lvl="0"/>
             <a:r>
-              <a:rPr lang="en-US"/>
-              <a:t>Edit Master text styles</a:t>
+              <a:rPr lang="en-US" smtClean="0"/>
+              <a:t>Click to edit Master text styles</a:t>
             </a:r>
           </a:p>
         </p:txBody>
@@ -1087,7 +1482,7 @@
           <a:p>
             <a:fld id="{65E7B355-5CB2-476B-BDB6-8F519B1AE92A}" type="datetimeFigureOut">
               <a:rPr lang="en-US" smtClean="0"/>
-              <a:t>9/25/2017</a:t>
+              <a:t>10/29/17</a:t>
             </a:fld>
             <a:endParaRPr lang="en-US"/>
           </a:p>
@@ -1136,15 +1531,13 @@
         </p:txBody>
       </p:sp>
     </p:spTree>
-    <p:extLst>
-      <p:ext uri="{BB962C8B-B14F-4D97-AF65-F5344CB8AC3E}">
-        <p14:creationId xmlns:p14="http://schemas.microsoft.com/office/powerpoint/2010/main" val="3796133969"/>
-      </p:ext>
-    </p:extLst>
   </p:cSld>
   <p:clrMapOvr>
     <a:masterClrMapping/>
   </p:clrMapOvr>
+  <p:transition spd="slow">
+    <p:push dir="u"/>
+  </p:transition>
 </p:sldLayout>
 </file>
 
@@ -1192,7 +1585,7 @@
           </a:lstStyle>
           <a:p>
             <a:r>
-              <a:rPr lang="en-US"/>
+              <a:rPr lang="en-US" smtClean="0"/>
               <a:t>Click to edit Master title style</a:t>
             </a:r>
             <a:endParaRPr lang="en-US" dirty="0"/>
@@ -1256,8 +1649,8 @@
           <a:p>
             <a:pPr lvl="0"/>
             <a:r>
-              <a:rPr lang="en-US"/>
-              <a:t>Edit Master text styles</a:t>
+              <a:rPr lang="en-US" smtClean="0"/>
+              <a:t>Click to edit Master text styles</a:t>
             </a:r>
           </a:p>
         </p:txBody>
@@ -1378,8 +1771,8 @@
           <a:p>
             <a:pPr lvl="0"/>
             <a:r>
-              <a:rPr lang="en-US"/>
-              <a:t>Edit Master text styles</a:t>
+              <a:rPr lang="en-US" smtClean="0"/>
+              <a:t>Click to edit Master text styles</a:t>
             </a:r>
           </a:p>
         </p:txBody>
@@ -1401,7 +1794,7 @@
           <a:p>
             <a:fld id="{65E7B355-5CB2-476B-BDB6-8F519B1AE92A}" type="datetimeFigureOut">
               <a:rPr lang="en-US" smtClean="0"/>
-              <a:t>9/25/2017</a:t>
+              <a:t>10/29/17</a:t>
             </a:fld>
             <a:endParaRPr lang="en-US"/>
           </a:p>
@@ -1451,7 +1844,7 @@
       </p:sp>
       <p:sp>
         <p:nvSpPr>
-          <p:cNvPr id="20" name="TextBox 19"/>
+          <p:cNvPr id="24" name="TextBox 23"/>
           <p:cNvSpPr txBox="1"/>
           <p:nvPr/>
         </p:nvSpPr>
@@ -1492,7 +1885,7 @@
       </p:sp>
       <p:sp>
         <p:nvSpPr>
-          <p:cNvPr id="22" name="TextBox 21"/>
+          <p:cNvPr id="25" name="TextBox 24"/>
           <p:cNvSpPr txBox="1"/>
           <p:nvPr/>
         </p:nvSpPr>
@@ -1523,32 +1916,22 @@
                     <a:lumOff val="40000"/>
                   </a:schemeClr>
                 </a:solidFill>
+                <a:effectLst/>
                 <a:latin typeface="Arial"/>
               </a:rPr>
               <a:t>”</a:t>
             </a:r>
-            <a:endParaRPr lang="en-US" dirty="0">
-              <a:solidFill>
-                <a:schemeClr val="accent1">
-                  <a:lumMod val="60000"/>
-                  <a:lumOff val="40000"/>
-                </a:schemeClr>
-              </a:solidFill>
-              <a:latin typeface="Arial"/>
-            </a:endParaRPr>
           </a:p>
         </p:txBody>
       </p:sp>
     </p:spTree>
-    <p:extLst>
-      <p:ext uri="{BB962C8B-B14F-4D97-AF65-F5344CB8AC3E}">
-        <p14:creationId xmlns:p14="http://schemas.microsoft.com/office/powerpoint/2010/main" val="573036337"/>
-      </p:ext>
-    </p:extLst>
   </p:cSld>
   <p:clrMapOvr>
     <a:masterClrMapping/>
   </p:clrMapOvr>
+  <p:transition spd="slow">
+    <p:push dir="u"/>
+  </p:transition>
 </p:sldLayout>
 </file>
 
@@ -1596,7 +1979,7 @@
           </a:lstStyle>
           <a:p>
             <a:r>
-              <a:rPr lang="en-US"/>
+              <a:rPr lang="en-US" smtClean="0"/>
               <a:t>Click to edit Master title style</a:t>
             </a:r>
             <a:endParaRPr lang="en-US" dirty="0"/>
@@ -1719,8 +2102,8 @@
           <a:p>
             <a:pPr lvl="0"/>
             <a:r>
-              <a:rPr lang="en-US"/>
-              <a:t>Edit Master text styles</a:t>
+              <a:rPr lang="en-US" smtClean="0"/>
+              <a:t>Click to edit Master text styles</a:t>
             </a:r>
           </a:p>
         </p:txBody>
@@ -1742,7 +2125,7 @@
           <a:p>
             <a:fld id="{65E7B355-5CB2-476B-BDB6-8F519B1AE92A}" type="datetimeFigureOut">
               <a:rPr lang="en-US" smtClean="0"/>
-              <a:t>9/25/2017</a:t>
+              <a:t>10/29/17</a:t>
             </a:fld>
             <a:endParaRPr lang="en-US"/>
           </a:p>
@@ -1791,15 +2174,13 @@
         </p:txBody>
       </p:sp>
     </p:spTree>
-    <p:extLst>
-      <p:ext uri="{BB962C8B-B14F-4D97-AF65-F5344CB8AC3E}">
-        <p14:creationId xmlns:p14="http://schemas.microsoft.com/office/powerpoint/2010/main" val="1229632752"/>
-      </p:ext>
-    </p:extLst>
   </p:cSld>
   <p:clrMapOvr>
     <a:masterClrMapping/>
   </p:clrMapOvr>
+  <p:transition spd="slow">
+    <p:push dir="u"/>
+  </p:transition>
 </p:sldLayout>
 </file>
 
@@ -1847,7 +2228,7 @@
           </a:lstStyle>
           <a:p>
             <a:r>
-              <a:rPr lang="en-US"/>
+              <a:rPr lang="en-US" smtClean="0"/>
               <a:t>Click to edit Master title style</a:t>
             </a:r>
             <a:endParaRPr lang="en-US" dirty="0"/>
@@ -1911,8 +2292,8 @@
           <a:p>
             <a:pPr lvl="0"/>
             <a:r>
-              <a:rPr lang="en-US"/>
-              <a:t>Edit Master text styles</a:t>
+              <a:rPr lang="en-US" smtClean="0"/>
+              <a:t>Click to edit Master text styles</a:t>
             </a:r>
           </a:p>
         </p:txBody>
@@ -2033,8 +2414,8 @@
           <a:p>
             <a:pPr lvl="0"/>
             <a:r>
-              <a:rPr lang="en-US"/>
-              <a:t>Edit Master text styles</a:t>
+              <a:rPr lang="en-US" smtClean="0"/>
+              <a:t>Click to edit Master text styles</a:t>
             </a:r>
           </a:p>
         </p:txBody>
@@ -2056,7 +2437,7 @@
           <a:p>
             <a:fld id="{65E7B355-5CB2-476B-BDB6-8F519B1AE92A}" type="datetimeFigureOut">
               <a:rPr lang="en-US" smtClean="0"/>
-              <a:t>9/25/2017</a:t>
+              <a:t>10/29/17</a:t>
             </a:fld>
             <a:endParaRPr lang="en-US"/>
           </a:p>
@@ -2187,15 +2568,13 @@
         </p:txBody>
       </p:sp>
     </p:spTree>
-    <p:extLst>
-      <p:ext uri="{BB962C8B-B14F-4D97-AF65-F5344CB8AC3E}">
-        <p14:creationId xmlns:p14="http://schemas.microsoft.com/office/powerpoint/2010/main" val="1521323556"/>
-      </p:ext>
-    </p:extLst>
   </p:cSld>
   <p:clrMapOvr>
     <a:masterClrMapping/>
   </p:clrMapOvr>
+  <p:transition spd="slow">
+    <p:push dir="u"/>
+  </p:transition>
 </p:sldLayout>
 </file>
 
@@ -2243,7 +2622,7 @@
           </a:lstStyle>
           <a:p>
             <a:r>
-              <a:rPr lang="en-US"/>
+              <a:rPr lang="en-US" smtClean="0"/>
               <a:t>Click to edit Master title style</a:t>
             </a:r>
             <a:endParaRPr lang="en-US" dirty="0"/>
@@ -2304,8 +2683,8 @@
           <a:p>
             <a:pPr lvl="0"/>
             <a:r>
-              <a:rPr lang="en-US"/>
-              <a:t>Edit Master text styles</a:t>
+              <a:rPr lang="en-US" smtClean="0"/>
+              <a:t>Click to edit Master text styles</a:t>
             </a:r>
           </a:p>
         </p:txBody>
@@ -2426,8 +2805,8 @@
           <a:p>
             <a:pPr lvl="0"/>
             <a:r>
-              <a:rPr lang="en-US"/>
-              <a:t>Edit Master text styles</a:t>
+              <a:rPr lang="en-US" smtClean="0"/>
+              <a:t>Click to edit Master text styles</a:t>
             </a:r>
           </a:p>
         </p:txBody>
@@ -2449,7 +2828,7 @@
           <a:p>
             <a:fld id="{65E7B355-5CB2-476B-BDB6-8F519B1AE92A}" type="datetimeFigureOut">
               <a:rPr lang="en-US" smtClean="0"/>
-              <a:t>9/25/2017</a:t>
+              <a:t>10/29/17</a:t>
             </a:fld>
             <a:endParaRPr lang="en-US"/>
           </a:p>
@@ -2498,15 +2877,13 @@
         </p:txBody>
       </p:sp>
     </p:spTree>
-    <p:extLst>
-      <p:ext uri="{BB962C8B-B14F-4D97-AF65-F5344CB8AC3E}">
-        <p14:creationId xmlns:p14="http://schemas.microsoft.com/office/powerpoint/2010/main" val="3065151765"/>
-      </p:ext>
-    </p:extLst>
   </p:cSld>
   <p:clrMapOvr>
     <a:masterClrMapping/>
   </p:clrMapOvr>
+  <p:transition spd="slow">
+    <p:push dir="u"/>
+  </p:transition>
 </p:sldLayout>
 </file>
 
@@ -2543,7 +2920,7 @@
           <a:lstStyle/>
           <a:p>
             <a:r>
-              <a:rPr lang="en-US"/>
+              <a:rPr lang="en-US" smtClean="0"/>
               <a:t>Click to edit Master title style</a:t>
             </a:r>
             <a:endParaRPr lang="en-US" dirty="0"/>
@@ -2567,35 +2944,35 @@
           <a:p>
             <a:pPr lvl="0"/>
             <a:r>
-              <a:rPr lang="en-US"/>
-              <a:t>Edit Master text styles</a:t>
+              <a:rPr lang="en-US" smtClean="0"/>
+              <a:t>Click to edit Master text styles</a:t>
             </a:r>
           </a:p>
           <a:p>
             <a:pPr lvl="1"/>
             <a:r>
-              <a:rPr lang="en-US"/>
+              <a:rPr lang="en-US" smtClean="0"/>
               <a:t>Second level</a:t>
             </a:r>
           </a:p>
           <a:p>
             <a:pPr lvl="2"/>
             <a:r>
-              <a:rPr lang="en-US"/>
+              <a:rPr lang="en-US" smtClean="0"/>
               <a:t>Third level</a:t>
             </a:r>
           </a:p>
           <a:p>
             <a:pPr lvl="3"/>
             <a:r>
-              <a:rPr lang="en-US"/>
+              <a:rPr lang="en-US" smtClean="0"/>
               <a:t>Fourth level</a:t>
             </a:r>
           </a:p>
           <a:p>
             <a:pPr lvl="4"/>
             <a:r>
-              <a:rPr lang="en-US"/>
+              <a:rPr lang="en-US" smtClean="0"/>
               <a:t>Fifth level</a:t>
             </a:r>
             <a:endParaRPr lang="en-US" dirty="0"/>
@@ -2619,7 +2996,7 @@
           <a:p>
             <a:fld id="{65E7B355-5CB2-476B-BDB6-8F519B1AE92A}" type="datetimeFigureOut">
               <a:rPr lang="en-US" smtClean="0"/>
-              <a:t>9/25/2017</a:t>
+              <a:t>10/29/17</a:t>
             </a:fld>
             <a:endParaRPr lang="en-US"/>
           </a:p>
@@ -2668,15 +3045,13 @@
         </p:txBody>
       </p:sp>
     </p:spTree>
-    <p:extLst>
-      <p:ext uri="{BB962C8B-B14F-4D97-AF65-F5344CB8AC3E}">
-        <p14:creationId xmlns:p14="http://schemas.microsoft.com/office/powerpoint/2010/main" val="569438661"/>
-      </p:ext>
-    </p:extLst>
   </p:cSld>
   <p:clrMapOvr>
     <a:masterClrMapping/>
   </p:clrMapOvr>
+  <p:transition spd="slow">
+    <p:push dir="u"/>
+  </p:transition>
 </p:sldLayout>
 </file>
 
@@ -2718,7 +3093,7 @@
           <a:lstStyle/>
           <a:p>
             <a:r>
-              <a:rPr lang="en-US"/>
+              <a:rPr lang="en-US" smtClean="0"/>
               <a:t>Click to edit Master title style</a:t>
             </a:r>
             <a:endParaRPr lang="en-US" dirty="0"/>
@@ -2747,35 +3122,35 @@
           <a:p>
             <a:pPr lvl="0"/>
             <a:r>
-              <a:rPr lang="en-US"/>
-              <a:t>Edit Master text styles</a:t>
+              <a:rPr lang="en-US" smtClean="0"/>
+              <a:t>Click to edit Master text styles</a:t>
             </a:r>
           </a:p>
           <a:p>
             <a:pPr lvl="1"/>
             <a:r>
-              <a:rPr lang="en-US"/>
+              <a:rPr lang="en-US" smtClean="0"/>
               <a:t>Second level</a:t>
             </a:r>
           </a:p>
           <a:p>
             <a:pPr lvl="2"/>
             <a:r>
-              <a:rPr lang="en-US"/>
+              <a:rPr lang="en-US" smtClean="0"/>
               <a:t>Third level</a:t>
             </a:r>
           </a:p>
           <a:p>
             <a:pPr lvl="3"/>
             <a:r>
-              <a:rPr lang="en-US"/>
+              <a:rPr lang="en-US" smtClean="0"/>
               <a:t>Fourth level</a:t>
             </a:r>
           </a:p>
           <a:p>
             <a:pPr lvl="4"/>
             <a:r>
-              <a:rPr lang="en-US"/>
+              <a:rPr lang="en-US" smtClean="0"/>
               <a:t>Fifth level</a:t>
             </a:r>
             <a:endParaRPr lang="en-US" dirty="0"/>
@@ -2799,7 +3174,7 @@
           <a:p>
             <a:fld id="{65E7B355-5CB2-476B-BDB6-8F519B1AE92A}" type="datetimeFigureOut">
               <a:rPr lang="en-US" smtClean="0"/>
-              <a:t>9/25/2017</a:t>
+              <a:t>10/29/17</a:t>
             </a:fld>
             <a:endParaRPr lang="en-US"/>
           </a:p>
@@ -2848,15 +3223,13 @@
         </p:txBody>
       </p:sp>
     </p:spTree>
-    <p:extLst>
-      <p:ext uri="{BB962C8B-B14F-4D97-AF65-F5344CB8AC3E}">
-        <p14:creationId xmlns:p14="http://schemas.microsoft.com/office/powerpoint/2010/main" val="3743218235"/>
-      </p:ext>
-    </p:extLst>
   </p:cSld>
   <p:clrMapOvr>
     <a:masterClrMapping/>
   </p:clrMapOvr>
+  <p:transition spd="slow">
+    <p:push dir="u"/>
+  </p:transition>
 </p:sldLayout>
 </file>
 
@@ -2889,17 +3262,11 @@
         </p:nvSpPr>
         <p:spPr/>
         <p:txBody>
-          <a:bodyPr>
-            <a:normAutofit/>
-          </a:bodyPr>
-          <a:lstStyle>
-            <a:lvl1pPr>
-              <a:defRPr sz="3600"/>
-            </a:lvl1pPr>
-          </a:lstStyle>
-          <a:p>
-            <a:r>
-              <a:rPr lang="en-US"/>
+          <a:bodyPr/>
+          <a:lstStyle/>
+          <a:p>
+            <a:r>
+              <a:rPr lang="en-US" smtClean="0"/>
               <a:t>Click to edit Master title style</a:t>
             </a:r>
             <a:endParaRPr lang="en-US" dirty="0"/>
@@ -2923,35 +3290,35 @@
           <a:p>
             <a:pPr lvl="0"/>
             <a:r>
-              <a:rPr lang="en-US"/>
-              <a:t>Edit Master text styles</a:t>
+              <a:rPr lang="en-US" smtClean="0"/>
+              <a:t>Click to edit Master text styles</a:t>
             </a:r>
           </a:p>
           <a:p>
             <a:pPr lvl="1"/>
             <a:r>
-              <a:rPr lang="en-US"/>
+              <a:rPr lang="en-US" smtClean="0"/>
               <a:t>Second level</a:t>
             </a:r>
           </a:p>
           <a:p>
             <a:pPr lvl="2"/>
             <a:r>
-              <a:rPr lang="en-US"/>
+              <a:rPr lang="en-US" smtClean="0"/>
               <a:t>Third level</a:t>
             </a:r>
           </a:p>
           <a:p>
             <a:pPr lvl="3"/>
             <a:r>
-              <a:rPr lang="en-US"/>
+              <a:rPr lang="en-US" smtClean="0"/>
               <a:t>Fourth level</a:t>
             </a:r>
           </a:p>
           <a:p>
             <a:pPr lvl="4"/>
             <a:r>
-              <a:rPr lang="en-US"/>
+              <a:rPr lang="en-US" smtClean="0"/>
               <a:t>Fifth level</a:t>
             </a:r>
             <a:endParaRPr lang="en-US" dirty="0"/>
@@ -2975,7 +3342,7 @@
           <a:p>
             <a:fld id="{65E7B355-5CB2-476B-BDB6-8F519B1AE92A}" type="datetimeFigureOut">
               <a:rPr lang="en-US" smtClean="0"/>
-              <a:t>9/25/2017</a:t>
+              <a:t>10/29/17</a:t>
             </a:fld>
             <a:endParaRPr lang="en-US"/>
           </a:p>
@@ -3024,15 +3391,13 @@
         </p:txBody>
       </p:sp>
     </p:spTree>
-    <p:extLst>
-      <p:ext uri="{BB962C8B-B14F-4D97-AF65-F5344CB8AC3E}">
-        <p14:creationId xmlns:p14="http://schemas.microsoft.com/office/powerpoint/2010/main" val="1304608656"/>
-      </p:ext>
-    </p:extLst>
   </p:cSld>
   <p:clrMapOvr>
     <a:masterClrMapping/>
   </p:clrMapOvr>
+  <p:transition spd="slow">
+    <p:push dir="u"/>
+  </p:transition>
 </p:sldLayout>
 </file>
 
@@ -3078,7 +3443,7 @@
           </a:lstStyle>
           <a:p>
             <a:r>
-              <a:rPr lang="en-US"/>
+              <a:rPr lang="en-US" smtClean="0"/>
               <a:t>Click to edit Master title style</a:t>
             </a:r>
             <a:endParaRPr lang="en-US" dirty="0"/>
@@ -3199,8 +3564,8 @@
           <a:p>
             <a:pPr lvl="0"/>
             <a:r>
-              <a:rPr lang="en-US"/>
-              <a:t>Edit Master text styles</a:t>
+              <a:rPr lang="en-US" smtClean="0"/>
+              <a:t>Click to edit Master text styles</a:t>
             </a:r>
           </a:p>
         </p:txBody>
@@ -3222,7 +3587,7 @@
           <a:p>
             <a:fld id="{65E7B355-5CB2-476B-BDB6-8F519B1AE92A}" type="datetimeFigureOut">
               <a:rPr lang="en-US" smtClean="0"/>
-              <a:t>9/25/2017</a:t>
+              <a:t>10/29/17</a:t>
             </a:fld>
             <a:endParaRPr lang="en-US"/>
           </a:p>
@@ -3271,15 +3636,13 @@
         </p:txBody>
       </p:sp>
     </p:spTree>
-    <p:extLst>
-      <p:ext uri="{BB962C8B-B14F-4D97-AF65-F5344CB8AC3E}">
-        <p14:creationId xmlns:p14="http://schemas.microsoft.com/office/powerpoint/2010/main" val="1189986032"/>
-      </p:ext>
-    </p:extLst>
   </p:cSld>
   <p:clrMapOvr>
     <a:masterClrMapping/>
   </p:clrMapOvr>
+  <p:transition spd="slow">
+    <p:push dir="u"/>
+  </p:transition>
 </p:sldLayout>
 </file>
 
@@ -3316,7 +3679,7 @@
           <a:lstStyle/>
           <a:p>
             <a:r>
-              <a:rPr lang="en-US"/>
+              <a:rPr lang="en-US" smtClean="0"/>
               <a:t>Click to edit Master title style</a:t>
             </a:r>
             <a:endParaRPr lang="en-US" dirty="0"/>
@@ -3345,35 +3708,35 @@
           <a:p>
             <a:pPr lvl="0"/>
             <a:r>
-              <a:rPr lang="en-US"/>
-              <a:t>Edit Master text styles</a:t>
+              <a:rPr lang="en-US" smtClean="0"/>
+              <a:t>Click to edit Master text styles</a:t>
             </a:r>
           </a:p>
           <a:p>
             <a:pPr lvl="1"/>
             <a:r>
-              <a:rPr lang="en-US"/>
+              <a:rPr lang="en-US" smtClean="0"/>
               <a:t>Second level</a:t>
             </a:r>
           </a:p>
           <a:p>
             <a:pPr lvl="2"/>
             <a:r>
-              <a:rPr lang="en-US"/>
+              <a:rPr lang="en-US" smtClean="0"/>
               <a:t>Third level</a:t>
             </a:r>
           </a:p>
           <a:p>
             <a:pPr lvl="3"/>
             <a:r>
-              <a:rPr lang="en-US"/>
+              <a:rPr lang="en-US" smtClean="0"/>
               <a:t>Fourth level</a:t>
             </a:r>
           </a:p>
           <a:p>
             <a:pPr lvl="4"/>
             <a:r>
-              <a:rPr lang="en-US"/>
+              <a:rPr lang="en-US" smtClean="0"/>
               <a:t>Fifth level</a:t>
             </a:r>
             <a:endParaRPr lang="en-US" dirty="0"/>
@@ -3402,35 +3765,35 @@
           <a:p>
             <a:pPr lvl="0"/>
             <a:r>
-              <a:rPr lang="en-US"/>
-              <a:t>Edit Master text styles</a:t>
+              <a:rPr lang="en-US" smtClean="0"/>
+              <a:t>Click to edit Master text styles</a:t>
             </a:r>
           </a:p>
           <a:p>
             <a:pPr lvl="1"/>
             <a:r>
-              <a:rPr lang="en-US"/>
+              <a:rPr lang="en-US" smtClean="0"/>
               <a:t>Second level</a:t>
             </a:r>
           </a:p>
           <a:p>
             <a:pPr lvl="2"/>
             <a:r>
-              <a:rPr lang="en-US"/>
+              <a:rPr lang="en-US" smtClean="0"/>
               <a:t>Third level</a:t>
             </a:r>
           </a:p>
           <a:p>
             <a:pPr lvl="3"/>
             <a:r>
-              <a:rPr lang="en-US"/>
+              <a:rPr lang="en-US" smtClean="0"/>
               <a:t>Fourth level</a:t>
             </a:r>
           </a:p>
           <a:p>
             <a:pPr lvl="4"/>
             <a:r>
-              <a:rPr lang="en-US"/>
+              <a:rPr lang="en-US" smtClean="0"/>
               <a:t>Fifth level</a:t>
             </a:r>
             <a:endParaRPr lang="en-US" dirty="0"/>
@@ -3454,7 +3817,7 @@
           <a:p>
             <a:fld id="{65E7B355-5CB2-476B-BDB6-8F519B1AE92A}" type="datetimeFigureOut">
               <a:rPr lang="en-US" smtClean="0"/>
-              <a:t>9/25/2017</a:t>
+              <a:t>10/29/17</a:t>
             </a:fld>
             <a:endParaRPr lang="en-US"/>
           </a:p>
@@ -3503,15 +3866,13 @@
         </p:txBody>
       </p:sp>
     </p:spTree>
-    <p:extLst>
-      <p:ext uri="{BB962C8B-B14F-4D97-AF65-F5344CB8AC3E}">
-        <p14:creationId xmlns:p14="http://schemas.microsoft.com/office/powerpoint/2010/main" val="4036519624"/>
-      </p:ext>
-    </p:extLst>
   </p:cSld>
   <p:clrMapOvr>
     <a:masterClrMapping/>
   </p:clrMapOvr>
+  <p:transition spd="slow">
+    <p:push dir="u"/>
+  </p:transition>
 </p:sldLayout>
 </file>
 
@@ -3552,7 +3913,7 @@
           </a:lstStyle>
           <a:p>
             <a:r>
-              <a:rPr lang="en-US"/>
+              <a:rPr lang="en-US" smtClean="0"/>
               <a:t>Click to edit Master title style</a:t>
             </a:r>
             <a:endParaRPr lang="en-US" dirty="0"/>
@@ -3620,8 +3981,8 @@
           <a:p>
             <a:pPr lvl="0"/>
             <a:r>
-              <a:rPr lang="en-US"/>
-              <a:t>Edit Master text styles</a:t>
+              <a:rPr lang="en-US" smtClean="0"/>
+              <a:t>Click to edit Master text styles</a:t>
             </a:r>
           </a:p>
         </p:txBody>
@@ -3650,35 +4011,35 @@
           <a:p>
             <a:pPr lvl="0"/>
             <a:r>
-              <a:rPr lang="en-US"/>
-              <a:t>Edit Master text styles</a:t>
+              <a:rPr lang="en-US" smtClean="0"/>
+              <a:t>Click to edit Master text styles</a:t>
             </a:r>
           </a:p>
           <a:p>
             <a:pPr lvl="1"/>
             <a:r>
-              <a:rPr lang="en-US"/>
+              <a:rPr lang="en-US" smtClean="0"/>
               <a:t>Second level</a:t>
             </a:r>
           </a:p>
           <a:p>
             <a:pPr lvl="2"/>
             <a:r>
-              <a:rPr lang="en-US"/>
+              <a:rPr lang="en-US" smtClean="0"/>
               <a:t>Third level</a:t>
             </a:r>
           </a:p>
           <a:p>
             <a:pPr lvl="3"/>
             <a:r>
-              <a:rPr lang="en-US"/>
+              <a:rPr lang="en-US" smtClean="0"/>
               <a:t>Fourth level</a:t>
             </a:r>
           </a:p>
           <a:p>
             <a:pPr lvl="4"/>
             <a:r>
-              <a:rPr lang="en-US"/>
+              <a:rPr lang="en-US" smtClean="0"/>
               <a:t>Fifth level</a:t>
             </a:r>
             <a:endParaRPr lang="en-US" dirty="0"/>
@@ -3746,8 +4107,8 @@
           <a:p>
             <a:pPr lvl="0"/>
             <a:r>
-              <a:rPr lang="en-US"/>
-              <a:t>Edit Master text styles</a:t>
+              <a:rPr lang="en-US" smtClean="0"/>
+              <a:t>Click to edit Master text styles</a:t>
             </a:r>
           </a:p>
         </p:txBody>
@@ -3776,35 +4137,35 @@
           <a:p>
             <a:pPr lvl="0"/>
             <a:r>
-              <a:rPr lang="en-US"/>
-              <a:t>Edit Master text styles</a:t>
+              <a:rPr lang="en-US" smtClean="0"/>
+              <a:t>Click to edit Master text styles</a:t>
             </a:r>
           </a:p>
           <a:p>
             <a:pPr lvl="1"/>
             <a:r>
-              <a:rPr lang="en-US"/>
+              <a:rPr lang="en-US" smtClean="0"/>
               <a:t>Second level</a:t>
             </a:r>
           </a:p>
           <a:p>
             <a:pPr lvl="2"/>
             <a:r>
-              <a:rPr lang="en-US"/>
+              <a:rPr lang="en-US" smtClean="0"/>
               <a:t>Third level</a:t>
             </a:r>
           </a:p>
           <a:p>
             <a:pPr lvl="3"/>
             <a:r>
-              <a:rPr lang="en-US"/>
+              <a:rPr lang="en-US" smtClean="0"/>
               <a:t>Fourth level</a:t>
             </a:r>
           </a:p>
           <a:p>
             <a:pPr lvl="4"/>
             <a:r>
-              <a:rPr lang="en-US"/>
+              <a:rPr lang="en-US" smtClean="0"/>
               <a:t>Fifth level</a:t>
             </a:r>
             <a:endParaRPr lang="en-US" dirty="0"/>
@@ -3828,7 +4189,7 @@
           <a:p>
             <a:fld id="{65E7B355-5CB2-476B-BDB6-8F519B1AE92A}" type="datetimeFigureOut">
               <a:rPr lang="en-US" smtClean="0"/>
-              <a:t>9/25/2017</a:t>
+              <a:t>10/29/17</a:t>
             </a:fld>
             <a:endParaRPr lang="en-US"/>
           </a:p>
@@ -3877,15 +4238,13 @@
         </p:txBody>
       </p:sp>
     </p:spTree>
-    <p:extLst>
-      <p:ext uri="{BB962C8B-B14F-4D97-AF65-F5344CB8AC3E}">
-        <p14:creationId xmlns:p14="http://schemas.microsoft.com/office/powerpoint/2010/main" val="706071549"/>
-      </p:ext>
-    </p:extLst>
   </p:cSld>
   <p:clrMapOvr>
     <a:masterClrMapping/>
   </p:clrMapOvr>
+  <p:transition spd="slow">
+    <p:push dir="u"/>
+  </p:transition>
 </p:sldLayout>
 </file>
 
@@ -3927,7 +4286,7 @@
           <a:lstStyle/>
           <a:p>
             <a:r>
-              <a:rPr lang="en-US"/>
+              <a:rPr lang="en-US" smtClean="0"/>
               <a:t>Click to edit Master title style</a:t>
             </a:r>
             <a:endParaRPr lang="en-US" dirty="0"/>
@@ -3951,7 +4310,7 @@
           <a:p>
             <a:fld id="{65E7B355-5CB2-476B-BDB6-8F519B1AE92A}" type="datetimeFigureOut">
               <a:rPr lang="en-US" smtClean="0"/>
-              <a:t>9/25/2017</a:t>
+              <a:t>10/29/17</a:t>
             </a:fld>
             <a:endParaRPr lang="en-US"/>
           </a:p>
@@ -4000,15 +4359,13 @@
         </p:txBody>
       </p:sp>
     </p:spTree>
-    <p:extLst>
-      <p:ext uri="{BB962C8B-B14F-4D97-AF65-F5344CB8AC3E}">
-        <p14:creationId xmlns:p14="http://schemas.microsoft.com/office/powerpoint/2010/main" val="726362924"/>
-      </p:ext>
-    </p:extLst>
   </p:cSld>
   <p:clrMapOvr>
     <a:masterClrMapping/>
   </p:clrMapOvr>
+  <p:transition spd="slow">
+    <p:push dir="u"/>
+  </p:transition>
 </p:sldLayout>
 </file>
 
@@ -4046,7 +4403,7 @@
           <a:p>
             <a:fld id="{65E7B355-5CB2-476B-BDB6-8F519B1AE92A}" type="datetimeFigureOut">
               <a:rPr lang="en-US" smtClean="0"/>
-              <a:t>9/25/2017</a:t>
+              <a:t>10/29/17</a:t>
             </a:fld>
             <a:endParaRPr lang="en-US"/>
           </a:p>
@@ -4095,15 +4452,13 @@
         </p:txBody>
       </p:sp>
     </p:spTree>
-    <p:extLst>
-      <p:ext uri="{BB962C8B-B14F-4D97-AF65-F5344CB8AC3E}">
-        <p14:creationId xmlns:p14="http://schemas.microsoft.com/office/powerpoint/2010/main" val="2220261977"/>
-      </p:ext>
-    </p:extLst>
   </p:cSld>
   <p:clrMapOvr>
     <a:masterClrMapping/>
   </p:clrMapOvr>
+  <p:transition spd="slow">
+    <p:push dir="u"/>
+  </p:transition>
 </p:sldLayout>
 </file>
 
@@ -4151,7 +4506,7 @@
           </a:lstStyle>
           <a:p>
             <a:r>
-              <a:rPr lang="en-US"/>
+              <a:rPr lang="en-US" smtClean="0"/>
               <a:t>Click to edit Master title style</a:t>
             </a:r>
             <a:endParaRPr lang="en-US" dirty="0"/>
@@ -4182,35 +4537,35 @@
           <a:p>
             <a:pPr lvl="0"/>
             <a:r>
-              <a:rPr lang="en-US"/>
-              <a:t>Edit Master text styles</a:t>
+              <a:rPr lang="en-US" smtClean="0"/>
+              <a:t>Click to edit Master text styles</a:t>
             </a:r>
           </a:p>
           <a:p>
             <a:pPr lvl="1"/>
             <a:r>
-              <a:rPr lang="en-US"/>
+              <a:rPr lang="en-US" smtClean="0"/>
               <a:t>Second level</a:t>
             </a:r>
           </a:p>
           <a:p>
             <a:pPr lvl="2"/>
             <a:r>
-              <a:rPr lang="en-US"/>
+              <a:rPr lang="en-US" smtClean="0"/>
               <a:t>Third level</a:t>
             </a:r>
           </a:p>
           <a:p>
             <a:pPr lvl="3"/>
             <a:r>
-              <a:rPr lang="en-US"/>
+              <a:rPr lang="en-US" smtClean="0"/>
               <a:t>Fourth level</a:t>
             </a:r>
           </a:p>
           <a:p>
             <a:pPr lvl="4"/>
             <a:r>
-              <a:rPr lang="en-US"/>
+              <a:rPr lang="en-US" smtClean="0"/>
               <a:t>Fifth level</a:t>
             </a:r>
             <a:endParaRPr lang="en-US" dirty="0"/>
@@ -4278,8 +4633,8 @@
           <a:p>
             <a:pPr lvl="0"/>
             <a:r>
-              <a:rPr lang="en-US"/>
-              <a:t>Edit Master text styles</a:t>
+              <a:rPr lang="en-US" smtClean="0"/>
+              <a:t>Click to edit Master text styles</a:t>
             </a:r>
           </a:p>
         </p:txBody>
@@ -4301,7 +4656,7 @@
           <a:p>
             <a:fld id="{65E7B355-5CB2-476B-BDB6-8F519B1AE92A}" type="datetimeFigureOut">
               <a:rPr lang="en-US" smtClean="0"/>
-              <a:t>9/25/2017</a:t>
+              <a:t>10/29/17</a:t>
             </a:fld>
             <a:endParaRPr lang="en-US"/>
           </a:p>
@@ -4350,15 +4705,13 @@
         </p:txBody>
       </p:sp>
     </p:spTree>
-    <p:extLst>
-      <p:ext uri="{BB962C8B-B14F-4D97-AF65-F5344CB8AC3E}">
-        <p14:creationId xmlns:p14="http://schemas.microsoft.com/office/powerpoint/2010/main" val="3035942970"/>
-      </p:ext>
-    </p:extLst>
   </p:cSld>
   <p:clrMapOvr>
     <a:masterClrMapping/>
   </p:clrMapOvr>
+  <p:transition spd="slow">
+    <p:push dir="u"/>
+  </p:transition>
 </p:sldLayout>
 </file>
 
@@ -4406,7 +4759,7 @@
           </a:lstStyle>
           <a:p>
             <a:r>
-              <a:rPr lang="en-US"/>
+              <a:rPr lang="en-US" smtClean="0"/>
               <a:t>Click to edit Master title style</a:t>
             </a:r>
             <a:endParaRPr lang="en-US" dirty="0"/>
@@ -4473,8 +4826,8 @@
           </a:lstStyle>
           <a:p>
             <a:r>
-              <a:rPr lang="en-US"/>
-              <a:t>Click icon to add picture</a:t>
+              <a:rPr lang="en-US" smtClean="0"/>
+              <a:t>Drag picture to placeholder or click icon to add</a:t>
             </a:r>
             <a:endParaRPr lang="en-US" dirty="0"/>
           </a:p>
@@ -4541,32 +4894,9 @@
           <a:p>
             <a:pPr lvl="0"/>
             <a:r>
-              <a:rPr lang="en-US"/>
-              <a:t>Edit Master text styles</a:t>
-            </a:r>
-          </a:p>
-        </p:txBody>
-      </p:sp>
-      <p:sp>
-        <p:nvSpPr>
-          <p:cNvPr id="5" name="Date Placeholder 4"/>
-          <p:cNvSpPr>
-            <a:spLocks noGrp="1"/>
-          </p:cNvSpPr>
-          <p:nvPr>
-            <p:ph type="dt" sz="half" idx="10"/>
-          </p:nvPr>
-        </p:nvSpPr>
-        <p:spPr/>
-        <p:txBody>
-          <a:bodyPr/>
-          <a:lstStyle/>
-          <a:p>
-            <a:fld id="{65E7B355-5CB2-476B-BDB6-8F519B1AE92A}" type="datetimeFigureOut">
-              <a:rPr lang="en-US" smtClean="0"/>
-              <a:t>9/25/2017</a:t>
-            </a:fld>
-            <a:endParaRPr lang="en-US"/>
+              <a:rPr lang="en-US" smtClean="0"/>
+              <a:t>Click to edit Master text styles</a:t>
+            </a:r>
           </a:p>
         </p:txBody>
       </p:sp>
@@ -4612,16 +4942,37 @@
           </a:p>
         </p:txBody>
       </p:sp>
+      <p:sp>
+        <p:nvSpPr>
+          <p:cNvPr id="5" name="Date Placeholder 4"/>
+          <p:cNvSpPr>
+            <a:spLocks noGrp="1"/>
+          </p:cNvSpPr>
+          <p:nvPr>
+            <p:ph type="dt" sz="half" idx="10"/>
+          </p:nvPr>
+        </p:nvSpPr>
+        <p:spPr/>
+        <p:txBody>
+          <a:bodyPr/>
+          <a:lstStyle/>
+          <a:p>
+            <a:fld id="{65E7B355-5CB2-476B-BDB6-8F519B1AE92A}" type="datetimeFigureOut">
+              <a:rPr lang="en-US" smtClean="0"/>
+              <a:t>10/29/17</a:t>
+            </a:fld>
+            <a:endParaRPr lang="en-US"/>
+          </a:p>
+        </p:txBody>
+      </p:sp>
     </p:spTree>
-    <p:extLst>
-      <p:ext uri="{BB962C8B-B14F-4D97-AF65-F5344CB8AC3E}">
-        <p14:creationId xmlns:p14="http://schemas.microsoft.com/office/powerpoint/2010/main" val="1802076506"/>
-      </p:ext>
-    </p:extLst>
   </p:cSld>
   <p:clrMapOvr>
     <a:masterClrMapping/>
   </p:clrMapOvr>
+  <p:transition spd="slow">
+    <p:push dir="u"/>
+  </p:transition>
 </p:sldLayout>
 </file>
 
@@ -4649,7 +5000,7 @@
       </p:grpSpPr>
       <p:grpSp>
         <p:nvGrpSpPr>
-          <p:cNvPr id="7" name="Group 6"/>
+          <p:cNvPr id="44" name="Group 43"/>
           <p:cNvGrpSpPr/>
           <p:nvPr/>
         </p:nvGrpSpPr>
@@ -4677,8 +5028,8 @@
             </a:prstGeom>
             <a:ln w="9525">
               <a:solidFill>
-                <a:schemeClr val="bg1">
-                  <a:lumMod val="75000"/>
+                <a:schemeClr val="accent1">
+                  <a:alpha val="70000"/>
                 </a:schemeClr>
               </a:solidFill>
             </a:ln>
@@ -4714,8 +5065,8 @@
             </a:prstGeom>
             <a:ln w="9525">
               <a:solidFill>
-                <a:schemeClr val="bg1">
-                  <a:lumMod val="85000"/>
+                <a:schemeClr val="accent1">
+                  <a:alpha val="70000"/>
                 </a:schemeClr>
               </a:solidFill>
             </a:ln>
@@ -4775,7 +5126,7 @@
             </a:custGeom>
             <a:solidFill>
               <a:schemeClr val="accent1">
-                <a:alpha val="30000"/>
+                <a:alpha val="36000"/>
               </a:schemeClr>
             </a:solidFill>
             <a:ln>
@@ -4878,8 +5229,9 @@
               </a:avLst>
             </a:prstGeom>
             <a:solidFill>
-              <a:schemeClr val="accent2">
-                <a:alpha val="72000"/>
+              <a:schemeClr val="accent1">
+                <a:lumMod val="75000"/>
+                <a:alpha val="66000"/>
               </a:schemeClr>
             </a:solidFill>
             <a:ln>
@@ -4941,9 +5293,9 @@
               </a:pathLst>
             </a:custGeom>
             <a:solidFill>
-              <a:schemeClr val="accent2">
+              <a:schemeClr val="accent1">
                 <a:lumMod val="75000"/>
-                <a:alpha val="70000"/>
+                <a:alpha val="50000"/>
               </a:schemeClr>
             </a:solidFill>
             <a:ln>
@@ -5005,9 +5357,7 @@
               </a:pathLst>
             </a:custGeom>
             <a:solidFill>
-              <a:schemeClr val="accent1">
-                <a:lumMod val="60000"/>
-                <a:lumOff val="40000"/>
+              <a:schemeClr val="accent2">
                 <a:alpha val="70000"/>
               </a:schemeClr>
             </a:solidFill>
@@ -5070,8 +5420,9 @@
               </a:pathLst>
             </a:custGeom>
             <a:solidFill>
-              <a:schemeClr val="accent1">
-                <a:alpha val="65000"/>
+              <a:schemeClr val="accent2">
+                <a:lumMod val="75000"/>
+                <a:alpha val="80000"/>
               </a:schemeClr>
             </a:solidFill>
             <a:ln>
@@ -5112,7 +5463,8 @@
             </a:prstGeom>
             <a:solidFill>
               <a:schemeClr val="accent1">
-                <a:alpha val="80000"/>
+                <a:lumMod val="75000"/>
+                <a:alpha val="66000"/>
               </a:schemeClr>
             </a:solidFill>
             <a:ln>
@@ -5137,7 +5489,7 @@
         </p:sp>
         <p:sp>
           <p:nvSpPr>
-            <p:cNvPr id="29" name="Isosceles Triangle 28"/>
+            <p:cNvPr id="19" name="Isosceles Triangle 18"/>
             <p:cNvSpPr/>
             <p:nvPr/>
           </p:nvSpPr>
@@ -5153,7 +5505,7 @@
             </a:prstGeom>
             <a:solidFill>
               <a:schemeClr val="accent1">
-                <a:alpha val="85000"/>
+                <a:alpha val="70000"/>
               </a:schemeClr>
             </a:solidFill>
             <a:ln>
@@ -5203,7 +5555,7 @@
           <a:lstStyle/>
           <a:p>
             <a:r>
-              <a:rPr lang="en-US"/>
+              <a:rPr lang="en-US" smtClean="0"/>
               <a:t>Click to edit Master title style</a:t>
             </a:r>
             <a:endParaRPr lang="en-US" dirty="0"/>
@@ -5237,35 +5589,35 @@
           <a:p>
             <a:pPr lvl="0"/>
             <a:r>
-              <a:rPr lang="en-US"/>
-              <a:t>Edit Master text styles</a:t>
+              <a:rPr lang="en-US" smtClean="0"/>
+              <a:t>Click to edit Master text styles</a:t>
             </a:r>
           </a:p>
           <a:p>
             <a:pPr lvl="1"/>
             <a:r>
-              <a:rPr lang="en-US"/>
+              <a:rPr lang="en-US" smtClean="0"/>
               <a:t>Second level</a:t>
             </a:r>
           </a:p>
           <a:p>
             <a:pPr lvl="2"/>
             <a:r>
-              <a:rPr lang="en-US"/>
+              <a:rPr lang="en-US" smtClean="0"/>
               <a:t>Third level</a:t>
             </a:r>
           </a:p>
           <a:p>
             <a:pPr lvl="3"/>
             <a:r>
-              <a:rPr lang="en-US"/>
+              <a:rPr lang="en-US" smtClean="0"/>
               <a:t>Fourth level</a:t>
             </a:r>
           </a:p>
           <a:p>
             <a:pPr lvl="4"/>
             <a:r>
-              <a:rPr lang="en-US"/>
+              <a:rPr lang="en-US" smtClean="0"/>
               <a:t>Fifth level</a:t>
             </a:r>
             <a:endParaRPr lang="en-US" dirty="0"/>
@@ -5307,7 +5659,7 @@
           <a:p>
             <a:fld id="{65E7B355-5CB2-476B-BDB6-8F519B1AE92A}" type="datetimeFigureOut">
               <a:rPr lang="en-US" smtClean="0"/>
-              <a:t>9/25/2017</a:t>
+              <a:t>10/29/17</a:t>
             </a:fld>
             <a:endParaRPr lang="en-US"/>
           </a:p>
@@ -5392,29 +5744,32 @@
     </p:spTree>
     <p:extLst>
       <p:ext uri="{BB962C8B-B14F-4D97-AF65-F5344CB8AC3E}">
-        <p14:creationId xmlns:p14="http://schemas.microsoft.com/office/powerpoint/2010/main" val="1734920741"/>
+        <p14:creationId xmlns:p14="http://schemas.microsoft.com/office/powerpoint/2010/main" val="1798189947"/>
       </p:ext>
     </p:extLst>
   </p:cSld>
   <p:clrMap bg1="lt1" tx1="dk1" bg2="lt2" tx2="dk2" accent1="accent1" accent2="accent2" accent3="accent3" accent4="accent4" accent5="accent5" accent6="accent6" hlink="hlink" folHlink="folHlink"/>
   <p:sldLayoutIdLst>
-    <p:sldLayoutId id="2147483661" r:id="rId1"/>
-    <p:sldLayoutId id="2147483662" r:id="rId2"/>
-    <p:sldLayoutId id="2147483663" r:id="rId3"/>
-    <p:sldLayoutId id="2147483664" r:id="rId4"/>
-    <p:sldLayoutId id="2147483665" r:id="rId5"/>
-    <p:sldLayoutId id="2147483666" r:id="rId6"/>
-    <p:sldLayoutId id="2147483667" r:id="rId7"/>
-    <p:sldLayoutId id="2147483668" r:id="rId8"/>
-    <p:sldLayoutId id="2147483669" r:id="rId9"/>
-    <p:sldLayoutId id="2147483670" r:id="rId10"/>
-    <p:sldLayoutId id="2147483671" r:id="rId11"/>
-    <p:sldLayoutId id="2147483672" r:id="rId12"/>
-    <p:sldLayoutId id="2147483673" r:id="rId13"/>
-    <p:sldLayoutId id="2147483674" r:id="rId14"/>
-    <p:sldLayoutId id="2147483675" r:id="rId15"/>
-    <p:sldLayoutId id="2147483676" r:id="rId16"/>
+    <p:sldLayoutId id="2147483678" r:id="rId1"/>
+    <p:sldLayoutId id="2147483679" r:id="rId2"/>
+    <p:sldLayoutId id="2147483680" r:id="rId3"/>
+    <p:sldLayoutId id="2147483681" r:id="rId4"/>
+    <p:sldLayoutId id="2147483682" r:id="rId5"/>
+    <p:sldLayoutId id="2147483683" r:id="rId6"/>
+    <p:sldLayoutId id="2147483684" r:id="rId7"/>
+    <p:sldLayoutId id="2147483685" r:id="rId8"/>
+    <p:sldLayoutId id="2147483686" r:id="rId9"/>
+    <p:sldLayoutId id="2147483687" r:id="rId10"/>
+    <p:sldLayoutId id="2147483688" r:id="rId11"/>
+    <p:sldLayoutId id="2147483689" r:id="rId12"/>
+    <p:sldLayoutId id="2147483690" r:id="rId13"/>
+    <p:sldLayoutId id="2147483691" r:id="rId14"/>
+    <p:sldLayoutId id="2147483692" r:id="rId15"/>
+    <p:sldLayoutId id="2147483693" r:id="rId16"/>
   </p:sldLayoutIdLst>
+  <p:transition spd="slow">
+    <p:push dir="u"/>
+  </p:transition>
   <p:txStyles>
     <p:titleStyle>
       <a:lvl1pPr algn="l" defTabSz="457200" rtl="0" eaLnBrk="1" latinLnBrk="0" hangingPunct="1">
@@ -5836,7 +6191,7 @@
           <p:cNvPr id="2" name="Title 1">
             <a:extLst>
               <a:ext uri="{FF2B5EF4-FFF2-40B4-BE49-F238E27FC236}">
-                <a16:creationId xmlns:a16="http://schemas.microsoft.com/office/drawing/2014/main" id="{85D3079C-2BF1-48EF-9C39-222E08CBDD68}"/>
+                <a16:creationId xmlns:a16="http://schemas.microsoft.com/office/drawing/2014/main" xmlns="" id="{85D3079C-2BF1-48EF-9C39-222E08CBDD68}"/>
               </a:ext>
             </a:extLst>
           </p:cNvPr>
@@ -5864,7 +6219,7 @@
           <p:cNvPr id="3" name="Subtitle 2">
             <a:extLst>
               <a:ext uri="{FF2B5EF4-FFF2-40B4-BE49-F238E27FC236}">
-                <a16:creationId xmlns:a16="http://schemas.microsoft.com/office/drawing/2014/main" id="{498CE65A-C9D7-479D-9A98-82E18CCD5199}"/>
+                <a16:creationId xmlns:a16="http://schemas.microsoft.com/office/drawing/2014/main" xmlns="" id="{498CE65A-C9D7-479D-9A98-82E18CCD5199}"/>
               </a:ext>
             </a:extLst>
           </p:cNvPr>
@@ -5880,7 +6235,17 @@
           <a:bodyPr/>
           <a:lstStyle/>
           <a:p>
-            <a:endParaRPr lang="en-US"/>
+            <a:r>
+              <a:rPr lang="en-US" dirty="0" smtClean="0"/>
+              <a:t>Created by</a:t>
+            </a:r>
+          </a:p>
+          <a:p>
+            <a:r>
+              <a:rPr lang="en-US" dirty="0" smtClean="0"/>
+              <a:t>The RNN Team</a:t>
+            </a:r>
+            <a:endParaRPr lang="en-US" dirty="0"/>
           </a:p>
         </p:txBody>
       </p:sp>
@@ -5894,10 +6259,20 @@
   <p:clrMapOvr>
     <a:masterClrMapping/>
   </p:clrMapOvr>
+  <p:transition spd="slow">
+    <p:push dir="u"/>
+  </p:transition>
+  <p:timing>
+    <p:tnLst>
+      <p:par>
+        <p:cTn id="1" dur="indefinite" restart="never" nodeType="tmRoot"/>
+      </p:par>
+    </p:tnLst>
+  </p:timing>
 </p:sld>
 </file>
 
-<file path=ppt/slides/slide2.xml><?xml version="1.0" encoding="utf-8"?>
+<file path=ppt/slides/slide10.xml><?xml version="1.0" encoding="utf-8"?>
 <p:sld xmlns:a="http://schemas.openxmlformats.org/drawingml/2006/main" xmlns:r="http://schemas.openxmlformats.org/officeDocument/2006/relationships" xmlns:p="http://schemas.openxmlformats.org/presentationml/2006/main">
   <p:cSld>
     <p:spTree>
@@ -5916,13 +6291,7 @@
       </p:grpSpPr>
       <p:sp>
         <p:nvSpPr>
-          <p:cNvPr id="2" name="Title 1">
-            <a:extLst>
-              <a:ext uri="{FF2B5EF4-FFF2-40B4-BE49-F238E27FC236}">
-                <a16:creationId xmlns:a16="http://schemas.microsoft.com/office/drawing/2014/main" id="{91E0BDFE-ACE4-43C4-A5AC-E4D6B0598D36}"/>
-              </a:ext>
-            </a:extLst>
-          </p:cNvPr>
+          <p:cNvPr id="2" name="Title 1"/>
           <p:cNvSpPr>
             <a:spLocks noGrp="1"/>
           </p:cNvSpPr>
@@ -5932,360 +6301,84 @@
         </p:nvSpPr>
         <p:spPr/>
         <p:txBody>
-          <a:bodyPr/>
-          <a:lstStyle/>
-          <a:p>
-            <a:r>
-              <a:rPr lang="en-US" dirty="0"/>
-              <a:t>Introduction</a:t>
-            </a:r>
-          </a:p>
-        </p:txBody>
-      </p:sp>
-      <mc:AlternateContent xmlns:mc="http://schemas.openxmlformats.org/markup-compatibility/2006">
-        <mc:Choice xmlns:a14="http://schemas.microsoft.com/office/drawing/2010/main" Requires="a14">
-          <p:sp>
-            <p:nvSpPr>
-              <p:cNvPr id="3" name="Content Placeholder 2">
-                <a:extLst>
-                  <a:ext uri="{FF2B5EF4-FFF2-40B4-BE49-F238E27FC236}">
-                    <a16:creationId xmlns:a16="http://schemas.microsoft.com/office/drawing/2014/main" id="{74622895-88D8-472D-955D-D24089255F96}"/>
-                  </a:ext>
-                </a:extLst>
-              </p:cNvPr>
-              <p:cNvSpPr>
-                <a:spLocks noGrp="1"/>
-              </p:cNvSpPr>
-              <p:nvPr>
-                <p:ph idx="1"/>
-              </p:nvPr>
-            </p:nvSpPr>
-            <p:spPr/>
-            <p:txBody>
-              <a:bodyPr/>
-              <a:lstStyle/>
-              <a:p>
-                <a:r>
-                  <a:rPr lang="en-US" dirty="0"/>
-                  <a:t>Useful for sequential data.</a:t>
-                </a:r>
-              </a:p>
-              <a:p>
-                <a:r>
-                  <a:rPr lang="en-US" dirty="0"/>
-                  <a:t>Used in speech recognition, language modeling, machine translation, sentiment analysis, image captioning etc.</a:t>
-                </a:r>
-              </a:p>
-              <a:p>
-                <a:r>
-                  <a:rPr lang="en-US" dirty="0"/>
-                  <a:t>Simple RNN</a:t>
-                </a:r>
-              </a:p>
-              <a:p>
-                <a:pPr lvl="1"/>
-                <a:r>
-                  <a:rPr lang="en-US" dirty="0"/>
-                  <a:t>Long short term memory (LSTM)</a:t>
-                </a:r>
-              </a:p>
-              <a:p>
-                <a:pPr lvl="1"/>
-                <a:r>
-                  <a:rPr lang="en-US" dirty="0"/>
-                  <a:t>Gated Recurrent Unit (GRU)</a:t>
-                </a:r>
-              </a:p>
-              <a:p>
-                <a:pPr lvl="1"/>
-                <a14:m>
-                  <m:oMath xmlns:m="http://schemas.openxmlformats.org/officeDocument/2006/math">
-                    <m:sSub>
-                      <m:sSubPr>
-                        <m:ctrlPr>
-                          <a:rPr lang="en-US" b="0" i="1" smtClean="0">
-                            <a:latin typeface="Cambria Math" panose="02040503050406030204" pitchFamily="18" charset="0"/>
-                          </a:rPr>
-                        </m:ctrlPr>
-                      </m:sSubPr>
-                      <m:e>
-                        <m:r>
-                          <a:rPr lang="en-US" b="0" i="1" smtClean="0">
-                            <a:latin typeface="Cambria Math" panose="02040503050406030204" pitchFamily="18" charset="0"/>
-                          </a:rPr>
-                          <m:t>h</m:t>
-                        </m:r>
-                      </m:e>
-                      <m:sub>
-                        <m:r>
-                          <a:rPr lang="en-US" b="0" i="1" smtClean="0">
-                            <a:latin typeface="Cambria Math" panose="02040503050406030204" pitchFamily="18" charset="0"/>
-                          </a:rPr>
-                          <m:t>𝑡</m:t>
-                        </m:r>
-                      </m:sub>
-                    </m:sSub>
-                    <m:r>
-                      <a:rPr lang="en-US" b="0" i="1" smtClean="0">
-                        <a:latin typeface="Cambria Math" panose="02040503050406030204" pitchFamily="18" charset="0"/>
-                      </a:rPr>
-                      <m:t>=</m:t>
-                    </m:r>
-                    <m:r>
-                      <a:rPr lang="en-US" b="0" i="1" smtClean="0">
-                        <a:latin typeface="Cambria Math" panose="02040503050406030204" pitchFamily="18" charset="0"/>
-                      </a:rPr>
-                      <m:t>𝜙</m:t>
-                    </m:r>
-                    <m:r>
-                      <a:rPr lang="en-US" b="0" i="1" smtClean="0">
-                        <a:latin typeface="Cambria Math" panose="02040503050406030204" pitchFamily="18" charset="0"/>
-                      </a:rPr>
-                      <m:t> (</m:t>
-                    </m:r>
-                    <m:sSub>
-                      <m:sSubPr>
-                        <m:ctrlPr>
-                          <a:rPr lang="en-US" b="0" i="1" smtClean="0">
-                            <a:latin typeface="Cambria Math" panose="02040503050406030204" pitchFamily="18" charset="0"/>
-                          </a:rPr>
-                        </m:ctrlPr>
-                      </m:sSubPr>
-                      <m:e>
-                        <m:r>
-                          <a:rPr lang="en-US" b="0" i="1" smtClean="0">
-                            <a:latin typeface="Cambria Math" panose="02040503050406030204" pitchFamily="18" charset="0"/>
-                          </a:rPr>
-                          <m:t>h</m:t>
-                        </m:r>
-                      </m:e>
-                      <m:sub>
-                        <m:r>
-                          <a:rPr lang="en-US" b="0" i="1" smtClean="0">
-                            <a:latin typeface="Cambria Math" panose="02040503050406030204" pitchFamily="18" charset="0"/>
-                          </a:rPr>
-                          <m:t>𝑡</m:t>
-                        </m:r>
-                        <m:r>
-                          <a:rPr lang="en-US" b="0" i="1" smtClean="0">
-                            <a:latin typeface="Cambria Math" panose="02040503050406030204" pitchFamily="18" charset="0"/>
-                          </a:rPr>
-                          <m:t>−1</m:t>
-                        </m:r>
-                      </m:sub>
-                    </m:sSub>
-                    <m:r>
-                      <a:rPr lang="en-US" b="0" i="1" smtClean="0">
-                        <a:latin typeface="Cambria Math" panose="02040503050406030204" pitchFamily="18" charset="0"/>
-                      </a:rPr>
-                      <m:t> , </m:t>
-                    </m:r>
-                    <m:sSub>
-                      <m:sSubPr>
-                        <m:ctrlPr>
-                          <a:rPr lang="en-US" b="0" i="1" smtClean="0">
-                            <a:latin typeface="Cambria Math" panose="02040503050406030204" pitchFamily="18" charset="0"/>
-                          </a:rPr>
-                        </m:ctrlPr>
-                      </m:sSubPr>
-                      <m:e>
-                        <m:r>
-                          <a:rPr lang="en-US" b="0" i="1" smtClean="0">
-                            <a:latin typeface="Cambria Math" panose="02040503050406030204" pitchFamily="18" charset="0"/>
-                          </a:rPr>
-                          <m:t>𝑥</m:t>
-                        </m:r>
-                      </m:e>
-                      <m:sub>
-                        <m:r>
-                          <a:rPr lang="en-US" b="0" i="1" smtClean="0">
-                            <a:latin typeface="Cambria Math" panose="02040503050406030204" pitchFamily="18" charset="0"/>
-                          </a:rPr>
-                          <m:t>𝑡</m:t>
-                        </m:r>
-                      </m:sub>
-                    </m:sSub>
-                    <m:r>
-                      <a:rPr lang="en-US" b="0" i="1" smtClean="0">
-                        <a:latin typeface="Cambria Math" panose="02040503050406030204" pitchFamily="18" charset="0"/>
-                      </a:rPr>
-                      <m:t>)</m:t>
-                    </m:r>
-                  </m:oMath>
-                </a14:m>
-                <a:r>
-                  <a:rPr lang="en-US" dirty="0"/>
-                  <a:t> where </a:t>
-                </a:r>
-                <a14:m>
-                  <m:oMath xmlns:m="http://schemas.openxmlformats.org/officeDocument/2006/math">
-                    <m:sSub>
-                      <m:sSubPr>
-                        <m:ctrlPr>
-                          <a:rPr lang="en-US" b="0" i="1" smtClean="0">
-                            <a:latin typeface="Cambria Math" panose="02040503050406030204" pitchFamily="18" charset="0"/>
-                          </a:rPr>
-                        </m:ctrlPr>
-                      </m:sSubPr>
-                      <m:e>
-                        <m:r>
-                          <a:rPr lang="en-US" b="0" i="1" smtClean="0">
-                            <a:latin typeface="Cambria Math" panose="02040503050406030204" pitchFamily="18" charset="0"/>
-                          </a:rPr>
-                          <m:t>h</m:t>
-                        </m:r>
-                      </m:e>
-                      <m:sub>
-                        <m:r>
-                          <a:rPr lang="en-US" b="0" i="1" smtClean="0">
-                            <a:latin typeface="Cambria Math" panose="02040503050406030204" pitchFamily="18" charset="0"/>
-                          </a:rPr>
-                          <m:t>𝑡</m:t>
-                        </m:r>
-                      </m:sub>
-                    </m:sSub>
-                  </m:oMath>
-                </a14:m>
-                <a:r>
-                  <a:rPr lang="en-US" dirty="0"/>
-                  <a:t> and </a:t>
-                </a:r>
-                <a14:m>
-                  <m:oMath xmlns:m="http://schemas.openxmlformats.org/officeDocument/2006/math">
-                    <m:sSub>
-                      <m:sSubPr>
-                        <m:ctrlPr>
-                          <a:rPr lang="en-US" i="1" dirty="0" smtClean="0">
-                            <a:latin typeface="Cambria Math" panose="02040503050406030204" pitchFamily="18" charset="0"/>
-                          </a:rPr>
-                        </m:ctrlPr>
-                      </m:sSubPr>
-                      <m:e>
-                        <m:r>
-                          <a:rPr lang="en-US" i="1" dirty="0" smtClean="0">
-                            <a:latin typeface="Cambria Math" panose="02040503050406030204" pitchFamily="18" charset="0"/>
-                          </a:rPr>
-                          <m:t>h</m:t>
-                        </m:r>
-                      </m:e>
-                      <m:sub>
-                        <m:r>
-                          <a:rPr lang="en-US" b="0" i="1" dirty="0" smtClean="0">
-                            <a:latin typeface="Cambria Math" panose="02040503050406030204" pitchFamily="18" charset="0"/>
-                          </a:rPr>
-                          <m:t>𝑡</m:t>
-                        </m:r>
-                        <m:r>
-                          <a:rPr lang="en-US" b="0" i="1" dirty="0" smtClean="0">
-                            <a:latin typeface="Cambria Math" panose="02040503050406030204" pitchFamily="18" charset="0"/>
-                          </a:rPr>
-                          <m:t>−1</m:t>
-                        </m:r>
-                      </m:sub>
-                    </m:sSub>
-                    <m:r>
-                      <a:rPr lang="en-US" i="1" dirty="0" smtClean="0">
-                        <a:latin typeface="Cambria Math" panose="02040503050406030204" pitchFamily="18" charset="0"/>
-                      </a:rPr>
-                      <m:t> </m:t>
-                    </m:r>
-                  </m:oMath>
-                </a14:m>
-                <a:r>
-                  <a:rPr lang="en-US" dirty="0"/>
-                  <a:t>are hidden states at time t and t-1, and </a:t>
-                </a:r>
-                <a14:m>
-                  <m:oMath xmlns:m="http://schemas.openxmlformats.org/officeDocument/2006/math">
-                    <m:sSub>
-                      <m:sSubPr>
-                        <m:ctrlPr>
-                          <a:rPr lang="en-US" b="0" i="1" smtClean="0">
-                            <a:latin typeface="Cambria Math" panose="02040503050406030204" pitchFamily="18" charset="0"/>
-                          </a:rPr>
-                        </m:ctrlPr>
-                      </m:sSubPr>
-                      <m:e>
-                        <m:r>
-                          <a:rPr lang="en-US" b="0" i="1" smtClean="0">
-                            <a:latin typeface="Cambria Math" panose="02040503050406030204" pitchFamily="18" charset="0"/>
-                          </a:rPr>
-                          <m:t>𝑥</m:t>
-                        </m:r>
-                      </m:e>
-                      <m:sub>
-                        <m:r>
-                          <a:rPr lang="en-US" b="0" i="1" smtClean="0">
-                            <a:latin typeface="Cambria Math" panose="02040503050406030204" pitchFamily="18" charset="0"/>
-                          </a:rPr>
-                          <m:t>𝑡</m:t>
-                        </m:r>
-                      </m:sub>
-                    </m:sSub>
-                  </m:oMath>
-                </a14:m>
-                <a:r>
-                  <a:rPr lang="en-US" dirty="0"/>
-                  <a:t> is the value of input at time t.</a:t>
-                </a:r>
-              </a:p>
-            </p:txBody>
-          </p:sp>
-        </mc:Choice>
-        <mc:Fallback>
-          <p:sp>
-            <p:nvSpPr>
-              <p:cNvPr id="3" name="Content Placeholder 2">
-                <a:extLst>
-                  <a:ext uri="{FF2B5EF4-FFF2-40B4-BE49-F238E27FC236}">
-                    <a16:creationId xmlns:a16="http://schemas.microsoft.com/office/drawing/2014/main" id="{74622895-88D8-472D-955D-D24089255F96}"/>
-                  </a:ext>
-                </a:extLst>
-              </p:cNvPr>
-              <p:cNvSpPr>
-                <a:spLocks noGrp="1" noRot="1" noChangeAspect="1" noMove="1" noResize="1" noEditPoints="1" noAdjustHandles="1" noChangeArrowheads="1" noChangeShapeType="1" noTextEdit="1"/>
-              </p:cNvSpPr>
-              <p:nvPr>
-                <p:ph idx="1"/>
-              </p:nvPr>
-            </p:nvSpPr>
-            <p:spPr>
-              <a:blipFill>
-                <a:blip r:embed="rId2"/>
-                <a:stretch>
-                  <a:fillRect l="-142" t="-942"/>
-                </a:stretch>
-              </a:blipFill>
-            </p:spPr>
-            <p:txBody>
-              <a:bodyPr/>
-              <a:lstStyle/>
-              <a:p>
-                <a:r>
-                  <a:rPr lang="en-US">
-                    <a:noFill/>
-                  </a:rPr>
-                  <a:t> </a:t>
-                </a:r>
-              </a:p>
-            </p:txBody>
-          </p:sp>
-        </mc:Fallback>
-      </mc:AlternateContent>
+          <a:bodyPr anchor="ctr"/>
+          <a:lstStyle/>
+          <a:p>
+            <a:r>
+              <a:rPr lang="en-US" dirty="0" smtClean="0"/>
+              <a:t>RNN types</a:t>
+            </a:r>
+            <a:endParaRPr lang="en-US" dirty="0"/>
+          </a:p>
+        </p:txBody>
+      </p:sp>
+      <p:sp>
+        <p:nvSpPr>
+          <p:cNvPr id="3" name="Content Placeholder 2"/>
+          <p:cNvSpPr>
+            <a:spLocks noGrp="1"/>
+          </p:cNvSpPr>
+          <p:nvPr>
+            <p:ph idx="1"/>
+          </p:nvPr>
+        </p:nvSpPr>
+        <p:spPr/>
+        <p:txBody>
+          <a:bodyPr anchor="t">
+            <a:normAutofit/>
+          </a:bodyPr>
+          <a:lstStyle/>
+          <a:p>
+            <a:r>
+              <a:rPr lang="en-US" sz="2800" dirty="0" smtClean="0"/>
+              <a:t>Simple </a:t>
+            </a:r>
+            <a:r>
+              <a:rPr lang="en-US" sz="2800" dirty="0"/>
+              <a:t>RNN</a:t>
+            </a:r>
+          </a:p>
+          <a:p>
+            <a:r>
+              <a:rPr lang="en-US" sz="2800" dirty="0"/>
+              <a:t>Long short term memory (LSTM)</a:t>
+            </a:r>
+          </a:p>
+          <a:p>
+            <a:r>
+              <a:rPr lang="en-US" sz="2800" dirty="0"/>
+              <a:t>Gated Recurrent Unit (GRU)</a:t>
+            </a:r>
+          </a:p>
+          <a:p>
+            <a:endParaRPr lang="en-US" sz="2800" dirty="0"/>
+          </a:p>
+        </p:txBody>
+      </p:sp>
     </p:spTree>
     <p:extLst>
       <p:ext uri="{BB962C8B-B14F-4D97-AF65-F5344CB8AC3E}">
-        <p14:creationId xmlns:p14="http://schemas.microsoft.com/office/powerpoint/2010/main" val="3280552077"/>
+        <p14:creationId xmlns:p14="http://schemas.microsoft.com/office/powerpoint/2010/main" val="780935130"/>
       </p:ext>
     </p:extLst>
   </p:cSld>
   <p:clrMapOvr>
     <a:masterClrMapping/>
   </p:clrMapOvr>
+  <p:transition spd="slow">
+    <p:push dir="u"/>
+  </p:transition>
+  <p:timing>
+    <p:tnLst>
+      <p:par>
+        <p:cTn id="1" dur="indefinite" restart="never" nodeType="tmRoot"/>
+      </p:par>
+    </p:tnLst>
+  </p:timing>
 </p:sld>
 </file>
 
-<file path=ppt/slides/slide3.xml><?xml version="1.0" encoding="utf-8"?>
+<file path=ppt/slides/slide11.xml><?xml version="1.0" encoding="utf-8"?>
 <p:sld xmlns:a="http://schemas.openxmlformats.org/drawingml/2006/main" xmlns:r="http://schemas.openxmlformats.org/officeDocument/2006/relationships" xmlns:p="http://schemas.openxmlformats.org/presentationml/2006/main">
   <p:cSld>
     <p:spTree>
@@ -6307,7 +6400,7 @@
           <p:cNvPr id="2" name="Title 1">
             <a:extLst>
               <a:ext uri="{FF2B5EF4-FFF2-40B4-BE49-F238E27FC236}">
-                <a16:creationId xmlns:a16="http://schemas.microsoft.com/office/drawing/2014/main" id="{26993A22-C940-401E-9A9D-AFAFBEF273B4}"/>
+                <a16:creationId xmlns:a16="http://schemas.microsoft.com/office/drawing/2014/main" xmlns="" id="{26993A22-C940-401E-9A9D-AFAFBEF273B4}"/>
               </a:ext>
             </a:extLst>
           </p:cNvPr>
@@ -6320,7 +6413,7 @@
         </p:nvSpPr>
         <p:spPr/>
         <p:txBody>
-          <a:bodyPr/>
+          <a:bodyPr anchor="ctr"/>
           <a:lstStyle/>
           <a:p>
             <a:r>
@@ -6335,7 +6428,7 @@
           <p:cNvPr id="4" name="Content Placeholder 3">
             <a:extLst>
               <a:ext uri="{FF2B5EF4-FFF2-40B4-BE49-F238E27FC236}">
-                <a16:creationId xmlns:a16="http://schemas.microsoft.com/office/drawing/2014/main" id="{28A7CA80-78E6-4507-80E2-3529E073E3F6}"/>
+                <a16:creationId xmlns:a16="http://schemas.microsoft.com/office/drawing/2014/main" xmlns="" id="{28A7CA80-78E6-4507-80E2-3529E073E3F6}"/>
               </a:ext>
             </a:extLst>
           </p:cNvPr>
@@ -6361,14 +6454,14 @@
           </a:prstGeom>
         </p:spPr>
       </p:pic>
-      <mc:AlternateContent xmlns:mc="http://schemas.openxmlformats.org/markup-compatibility/2006">
-        <mc:Choice xmlns:a14="http://schemas.microsoft.com/office/drawing/2010/main" Requires="a14">
+      <mc:AlternateContent xmlns:mc="http://schemas.openxmlformats.org/markup-compatibility/2006" xmlns:a14="http://schemas.microsoft.com/office/drawing/2010/main">
+        <mc:Choice Requires="a14">
           <p:sp>
             <p:nvSpPr>
               <p:cNvPr id="6" name="Content Placeholder 5">
                 <a:extLst>
                   <a:ext uri="{FF2B5EF4-FFF2-40B4-BE49-F238E27FC236}">
-                    <a16:creationId xmlns:a16="http://schemas.microsoft.com/office/drawing/2014/main" id="{B29A7450-4220-4344-B5C8-9476C08FE3DC}"/>
+                    <a16:creationId xmlns:a16="http://schemas.microsoft.com/office/drawing/2014/main" xmlns="" id="{B29A7450-4220-4344-B5C8-9476C08FE3DC}"/>
                   </a:ext>
                 </a:extLst>
               </p:cNvPr>
@@ -6390,7 +6483,7 @@
                       <m:sSubPr>
                         <m:ctrlPr>
                           <a:rPr lang="en-US" b="0" i="1" smtClean="0">
-                            <a:latin typeface="Cambria Math" panose="02040503050406030204" pitchFamily="18" charset="0"/>
+                            <a:latin typeface="Cambria Math" charset="0"/>
                           </a:rPr>
                         </m:ctrlPr>
                       </m:sSubPr>
@@ -6421,7 +6514,7 @@
                       <m:funcPr>
                         <m:ctrlPr>
                           <a:rPr lang="en-US" b="0" i="1" smtClean="0">
-                            <a:latin typeface="Cambria Math" panose="02040503050406030204" pitchFamily="18" charset="0"/>
+                            <a:latin typeface="Cambria Math" charset="0"/>
                           </a:rPr>
                         </m:ctrlPr>
                       </m:funcPr>
@@ -6453,7 +6546,7 @@
                           <m:sSubPr>
                             <m:ctrlPr>
                               <a:rPr lang="en-US" b="0" i="1" smtClean="0">
-                                <a:latin typeface="Cambria Math" panose="02040503050406030204" pitchFamily="18" charset="0"/>
+                                <a:latin typeface="Cambria Math" charset="0"/>
                               </a:rPr>
                             </m:ctrlPr>
                           </m:sSubPr>
@@ -6502,7 +6595,7 @@
                           <m:sSubPr>
                             <m:ctrlPr>
                               <a:rPr lang="en-US" b="0" i="1" smtClean="0">
-                                <a:latin typeface="Cambria Math" panose="02040503050406030204" pitchFamily="18" charset="0"/>
+                                <a:latin typeface="Cambria Math" charset="0"/>
                               </a:rPr>
                             </m:ctrlPr>
                           </m:sSubPr>
@@ -6542,7 +6635,7 @@
                       <m:sSubPr>
                         <m:ctrlPr>
                           <a:rPr lang="en-US" b="0" i="1" smtClean="0">
-                            <a:latin typeface="Cambria Math" panose="02040503050406030204" pitchFamily="18" charset="0"/>
+                            <a:latin typeface="Cambria Math" charset="0"/>
                           </a:rPr>
                         </m:ctrlPr>
                       </m:sSubPr>
@@ -6591,7 +6684,7 @@
                       <m:sSubPr>
                         <m:ctrlPr>
                           <a:rPr lang="en-US" b="0" i="1" smtClean="0">
-                            <a:latin typeface="Cambria Math" panose="02040503050406030204" pitchFamily="18" charset="0"/>
+                            <a:latin typeface="Cambria Math" charset="0"/>
                           </a:rPr>
                         </m:ctrlPr>
                       </m:sSubPr>
@@ -6625,7 +6718,7 @@
             </p:txBody>
           </p:sp>
         </mc:Choice>
-        <mc:Fallback>
+        <mc:Fallback xmlns="">
           <p:sp>
             <p:nvSpPr>
               <p:cNvPr id="6" name="Content Placeholder 5">
@@ -6675,10 +6768,20 @@
   <p:clrMapOvr>
     <a:masterClrMapping/>
   </p:clrMapOvr>
+  <p:transition spd="slow">
+    <p:push dir="u"/>
+  </p:transition>
+  <p:timing>
+    <p:tnLst>
+      <p:par>
+        <p:cTn id="1" dur="indefinite" restart="never" nodeType="tmRoot"/>
+      </p:par>
+    </p:tnLst>
+  </p:timing>
 </p:sld>
 </file>
 
-<file path=ppt/slides/slide4.xml><?xml version="1.0" encoding="utf-8"?>
+<file path=ppt/slides/slide12.xml><?xml version="1.0" encoding="utf-8"?>
 <p:sld xmlns:a="http://schemas.openxmlformats.org/drawingml/2006/main" xmlns:r="http://schemas.openxmlformats.org/officeDocument/2006/relationships" xmlns:p="http://schemas.openxmlformats.org/presentationml/2006/main">
   <p:cSld>
     <p:spTree>
@@ -6697,10 +6800,103 @@
       </p:grpSpPr>
       <p:sp>
         <p:nvSpPr>
+          <p:cNvPr id="2" name="Title 1"/>
+          <p:cNvSpPr>
+            <a:spLocks noGrp="1"/>
+          </p:cNvSpPr>
+          <p:nvPr>
+            <p:ph type="title"/>
+          </p:nvPr>
+        </p:nvSpPr>
+        <p:spPr/>
+        <p:txBody>
+          <a:bodyPr anchor="ctr"/>
+          <a:lstStyle/>
+          <a:p>
+            <a:pPr algn="ctr"/>
+            <a:r>
+              <a:rPr lang="en-US" dirty="0" smtClean="0"/>
+              <a:t>Simple RNN</a:t>
+            </a:r>
+            <a:endParaRPr lang="en-US" dirty="0"/>
+          </a:p>
+        </p:txBody>
+      </p:sp>
+      <p:pic>
+        <p:nvPicPr>
+          <p:cNvPr id="6" name="Content Placeholder 5"/>
+          <p:cNvPicPr>
+            <a:picLocks noGrp="1" noChangeAspect="1"/>
+          </p:cNvPicPr>
+          <p:nvPr>
+            <p:ph idx="1"/>
+          </p:nvPr>
+        </p:nvPicPr>
+        <p:blipFill>
+          <a:blip r:embed="rId2">
+            <a:extLst>
+              <a:ext uri="{28A0092B-C50C-407E-A947-70E740481C1C}">
+                <a14:useLocalDpi xmlns:a14="http://schemas.microsoft.com/office/drawing/2010/main" val="0"/>
+              </a:ext>
+            </a:extLst>
+          </a:blip>
+          <a:stretch>
+            <a:fillRect/>
+          </a:stretch>
+        </p:blipFill>
+        <p:spPr>
+          <a:xfrm>
+            <a:off x="2333047" y="1930400"/>
+            <a:ext cx="5285242" cy="3881437"/>
+          </a:xfrm>
+        </p:spPr>
+      </p:pic>
+    </p:spTree>
+    <p:extLst>
+      <p:ext uri="{BB962C8B-B14F-4D97-AF65-F5344CB8AC3E}">
+        <p14:creationId xmlns:p14="http://schemas.microsoft.com/office/powerpoint/2010/main" val="1222323003"/>
+      </p:ext>
+    </p:extLst>
+  </p:cSld>
+  <p:clrMapOvr>
+    <a:masterClrMapping/>
+  </p:clrMapOvr>
+  <p:transition spd="slow">
+    <p:push dir="u"/>
+  </p:transition>
+  <p:timing>
+    <p:tnLst>
+      <p:par>
+        <p:cTn id="1" dur="indefinite" restart="never" nodeType="tmRoot"/>
+      </p:par>
+    </p:tnLst>
+  </p:timing>
+</p:sld>
+</file>
+
+<file path=ppt/slides/slide13.xml><?xml version="1.0" encoding="utf-8"?>
+<p:sld xmlns:a="http://schemas.openxmlformats.org/drawingml/2006/main" xmlns:r="http://schemas.openxmlformats.org/officeDocument/2006/relationships" xmlns:p="http://schemas.openxmlformats.org/presentationml/2006/main">
+  <p:cSld>
+    <p:spTree>
+      <p:nvGrpSpPr>
+        <p:cNvPr id="1" name=""/>
+        <p:cNvGrpSpPr/>
+        <p:nvPr/>
+      </p:nvGrpSpPr>
+      <p:grpSpPr>
+        <a:xfrm>
+          <a:off x="0" y="0"/>
+          <a:ext cx="0" cy="0"/>
+          <a:chOff x="0" y="0"/>
+          <a:chExt cx="0" cy="0"/>
+        </a:xfrm>
+      </p:grpSpPr>
+      <p:sp>
+        <p:nvSpPr>
           <p:cNvPr id="2" name="Title 1">
             <a:extLst>
               <a:ext uri="{FF2B5EF4-FFF2-40B4-BE49-F238E27FC236}">
-                <a16:creationId xmlns:a16="http://schemas.microsoft.com/office/drawing/2014/main" id="{EE814D77-8704-406C-9446-C76D0CA21CE9}"/>
+                <a16:creationId xmlns:a16="http://schemas.microsoft.com/office/drawing/2014/main" xmlns="" id="{EE814D77-8704-406C-9446-C76D0CA21CE9}"/>
               </a:ext>
             </a:extLst>
           </p:cNvPr>
@@ -6713,63 +6909,46 @@
         </p:nvSpPr>
         <p:spPr/>
         <p:txBody>
-          <a:bodyPr/>
-          <a:lstStyle/>
-          <a:p>
-            <a:endParaRPr lang="en-US"/>
-          </a:p>
-        </p:txBody>
-      </p:sp>
-      <p:sp>
-        <p:nvSpPr>
-          <p:cNvPr id="3" name="Content Placeholder 2">
+          <a:bodyPr anchor="ctr"/>
+          <a:lstStyle/>
+          <a:p>
+            <a:r>
+              <a:rPr lang="en-US" b="1" dirty="0"/>
+              <a:t>Vanishing and exploding gradients </a:t>
+            </a:r>
+            <a:endParaRPr lang="en-US" dirty="0"/>
+          </a:p>
+        </p:txBody>
+      </p:sp>
+      <p:pic>
+        <p:nvPicPr>
+          <p:cNvPr id="5" name="Content Placeholder 4"/>
+          <p:cNvPicPr>
+            <a:picLocks noGrp="1" noChangeAspect="1"/>
+          </p:cNvPicPr>
+          <p:nvPr>
+            <p:ph sz="half" idx="1"/>
+          </p:nvPr>
+        </p:nvPicPr>
+        <p:blipFill>
+          <a:blip r:embed="rId2">
             <a:extLst>
-              <a:ext uri="{FF2B5EF4-FFF2-40B4-BE49-F238E27FC236}">
-                <a16:creationId xmlns:a16="http://schemas.microsoft.com/office/drawing/2014/main" id="{B424048D-F808-4632-930C-1299AB7EAEFC}"/>
+              <a:ext uri="{28A0092B-C50C-407E-A947-70E740481C1C}">
+                <a14:useLocalDpi xmlns:a14="http://schemas.microsoft.com/office/drawing/2010/main" val="0"/>
               </a:ext>
             </a:extLst>
-          </p:cNvPr>
-          <p:cNvSpPr>
-            <a:spLocks noGrp="1"/>
-          </p:cNvSpPr>
-          <p:nvPr>
-            <p:ph sz="half" idx="1"/>
-          </p:nvPr>
-        </p:nvSpPr>
-        <p:spPr/>
-        <p:txBody>
-          <a:bodyPr/>
-          <a:lstStyle/>
-          <a:p>
-            <a:endParaRPr lang="en-US"/>
-          </a:p>
-        </p:txBody>
-      </p:sp>
-      <p:sp>
-        <p:nvSpPr>
-          <p:cNvPr id="4" name="Content Placeholder 3">
-            <a:extLst>
-              <a:ext uri="{FF2B5EF4-FFF2-40B4-BE49-F238E27FC236}">
-                <a16:creationId xmlns:a16="http://schemas.microsoft.com/office/drawing/2014/main" id="{3F17922A-2979-4DA6-AC67-FFE57B1A3266}"/>
-              </a:ext>
-            </a:extLst>
-          </p:cNvPr>
-          <p:cNvSpPr>
-            <a:spLocks noGrp="1"/>
-          </p:cNvSpPr>
-          <p:nvPr>
-            <p:ph sz="half" idx="2"/>
-          </p:nvPr>
-        </p:nvSpPr>
-        <p:spPr/>
-        <p:txBody>
-          <a:bodyPr/>
-          <a:lstStyle/>
-          <a:p>
-            <a:endParaRPr lang="en-US"/>
-          </a:p>
-        </p:txBody>
-      </p:sp>
+          </a:blip>
+          <a:stretch>
+            <a:fillRect/>
+          </a:stretch>
+        </p:blipFill>
+        <p:spPr>
+          <a:xfrm>
+            <a:off x="764615" y="1930399"/>
+            <a:ext cx="7569014" cy="4108893"/>
+          </a:xfrm>
+        </p:spPr>
+      </p:pic>
     </p:spTree>
     <p:extLst>
       <p:ext uri="{BB962C8B-B14F-4D97-AF65-F5344CB8AC3E}">
@@ -6780,6 +6959,1676 @@
   <p:clrMapOvr>
     <a:masterClrMapping/>
   </p:clrMapOvr>
+  <p:transition spd="slow">
+    <p:push dir="u"/>
+  </p:transition>
+  <p:timing>
+    <p:tnLst>
+      <p:par>
+        <p:cTn id="1" dur="indefinite" restart="never" nodeType="tmRoot"/>
+      </p:par>
+    </p:tnLst>
+  </p:timing>
+</p:sld>
+</file>
+
+<file path=ppt/slides/slide14.xml><?xml version="1.0" encoding="utf-8"?>
+<p:sld xmlns:a="http://schemas.openxmlformats.org/drawingml/2006/main" xmlns:r="http://schemas.openxmlformats.org/officeDocument/2006/relationships" xmlns:p="http://schemas.openxmlformats.org/presentationml/2006/main">
+  <p:cSld>
+    <p:spTree>
+      <p:nvGrpSpPr>
+        <p:cNvPr id="1" name=""/>
+        <p:cNvGrpSpPr/>
+        <p:nvPr/>
+      </p:nvGrpSpPr>
+      <p:grpSpPr>
+        <a:xfrm>
+          <a:off x="0" y="0"/>
+          <a:ext cx="0" cy="0"/>
+          <a:chOff x="0" y="0"/>
+          <a:chExt cx="0" cy="0"/>
+        </a:xfrm>
+      </p:grpSpPr>
+      <p:sp>
+        <p:nvSpPr>
+          <p:cNvPr id="2" name="Title 1"/>
+          <p:cNvSpPr>
+            <a:spLocks noGrp="1"/>
+          </p:cNvSpPr>
+          <p:nvPr>
+            <p:ph type="title"/>
+          </p:nvPr>
+        </p:nvSpPr>
+        <p:spPr/>
+        <p:txBody>
+          <a:bodyPr anchor="ctr"/>
+          <a:lstStyle/>
+          <a:p>
+            <a:pPr algn="ctr"/>
+            <a:r>
+              <a:rPr lang="en-US" dirty="0" smtClean="0"/>
+              <a:t>Forgetting Gate</a:t>
+            </a:r>
+            <a:endParaRPr lang="en-US" dirty="0"/>
+          </a:p>
+        </p:txBody>
+      </p:sp>
+      <p:pic>
+        <p:nvPicPr>
+          <p:cNvPr id="4" name="Content Placeholder 3"/>
+          <p:cNvPicPr>
+            <a:picLocks noGrp="1" noChangeAspect="1"/>
+          </p:cNvPicPr>
+          <p:nvPr>
+            <p:ph idx="1"/>
+          </p:nvPr>
+        </p:nvPicPr>
+        <p:blipFill>
+          <a:blip r:embed="rId2">
+            <a:extLst>
+              <a:ext uri="{28A0092B-C50C-407E-A947-70E740481C1C}">
+                <a14:useLocalDpi xmlns:a14="http://schemas.microsoft.com/office/drawing/2010/main" val="0"/>
+              </a:ext>
+            </a:extLst>
+          </a:blip>
+          <a:stretch>
+            <a:fillRect/>
+          </a:stretch>
+        </p:blipFill>
+        <p:spPr>
+          <a:xfrm>
+            <a:off x="1710241" y="2160588"/>
+            <a:ext cx="6531556" cy="3881437"/>
+          </a:xfrm>
+          <a:prstGeom prst="rect">
+            <a:avLst/>
+          </a:prstGeom>
+        </p:spPr>
+      </p:pic>
+    </p:spTree>
+    <p:extLst>
+      <p:ext uri="{BB962C8B-B14F-4D97-AF65-F5344CB8AC3E}">
+        <p14:creationId xmlns:p14="http://schemas.microsoft.com/office/powerpoint/2010/main" val="979401895"/>
+      </p:ext>
+    </p:extLst>
+  </p:cSld>
+  <p:clrMapOvr>
+    <a:masterClrMapping/>
+  </p:clrMapOvr>
+  <p:transition spd="slow">
+    <p:push dir="u"/>
+  </p:transition>
+  <p:timing>
+    <p:tnLst>
+      <p:par>
+        <p:cTn id="1" dur="indefinite" restart="never" nodeType="tmRoot"/>
+      </p:par>
+    </p:tnLst>
+  </p:timing>
+</p:sld>
+</file>
+
+<file path=ppt/slides/slide15.xml><?xml version="1.0" encoding="utf-8"?>
+<p:sld xmlns:a="http://schemas.openxmlformats.org/drawingml/2006/main" xmlns:r="http://schemas.openxmlformats.org/officeDocument/2006/relationships" xmlns:p="http://schemas.openxmlformats.org/presentationml/2006/main">
+  <p:cSld>
+    <p:spTree>
+      <p:nvGrpSpPr>
+        <p:cNvPr id="1" name=""/>
+        <p:cNvGrpSpPr/>
+        <p:nvPr/>
+      </p:nvGrpSpPr>
+      <p:grpSpPr>
+        <a:xfrm>
+          <a:off x="0" y="0"/>
+          <a:ext cx="0" cy="0"/>
+          <a:chOff x="0" y="0"/>
+          <a:chExt cx="0" cy="0"/>
+        </a:xfrm>
+      </p:grpSpPr>
+      <p:sp>
+        <p:nvSpPr>
+          <p:cNvPr id="2" name="Title 1"/>
+          <p:cNvSpPr>
+            <a:spLocks noGrp="1"/>
+          </p:cNvSpPr>
+          <p:nvPr>
+            <p:ph type="title"/>
+          </p:nvPr>
+        </p:nvSpPr>
+        <p:spPr/>
+        <p:txBody>
+          <a:bodyPr anchor="ctr"/>
+          <a:lstStyle/>
+          <a:p>
+            <a:pPr algn="ctr"/>
+            <a:r>
+              <a:rPr lang="en-US" dirty="0" smtClean="0"/>
+              <a:t>Selection</a:t>
+            </a:r>
+            <a:endParaRPr lang="en-US" dirty="0"/>
+          </a:p>
+        </p:txBody>
+      </p:sp>
+      <p:pic>
+        <p:nvPicPr>
+          <p:cNvPr id="4" name="Content Placeholder 3"/>
+          <p:cNvPicPr>
+            <a:picLocks noGrp="1" noChangeAspect="1"/>
+          </p:cNvPicPr>
+          <p:nvPr>
+            <p:ph idx="1"/>
+          </p:nvPr>
+        </p:nvPicPr>
+        <p:blipFill>
+          <a:blip r:embed="rId2">
+            <a:extLst>
+              <a:ext uri="{28A0092B-C50C-407E-A947-70E740481C1C}">
+                <a14:useLocalDpi xmlns:a14="http://schemas.microsoft.com/office/drawing/2010/main" val="0"/>
+              </a:ext>
+            </a:extLst>
+          </a:blip>
+          <a:stretch>
+            <a:fillRect/>
+          </a:stretch>
+        </p:blipFill>
+        <p:spPr>
+          <a:xfrm>
+            <a:off x="1871885" y="2160588"/>
+            <a:ext cx="6208267" cy="3881437"/>
+          </a:xfrm>
+          <a:prstGeom prst="rect">
+            <a:avLst/>
+          </a:prstGeom>
+        </p:spPr>
+      </p:pic>
+    </p:spTree>
+    <p:extLst>
+      <p:ext uri="{BB962C8B-B14F-4D97-AF65-F5344CB8AC3E}">
+        <p14:creationId xmlns:p14="http://schemas.microsoft.com/office/powerpoint/2010/main" val="529905259"/>
+      </p:ext>
+    </p:extLst>
+  </p:cSld>
+  <p:clrMapOvr>
+    <a:masterClrMapping/>
+  </p:clrMapOvr>
+  <p:transition spd="slow">
+    <p:push dir="u"/>
+  </p:transition>
+  <p:timing>
+    <p:tnLst>
+      <p:par>
+        <p:cTn id="1" dur="indefinite" restart="never" nodeType="tmRoot"/>
+      </p:par>
+    </p:tnLst>
+  </p:timing>
+</p:sld>
+</file>
+
+<file path=ppt/slides/slide16.xml><?xml version="1.0" encoding="utf-8"?>
+<p:sld xmlns:a="http://schemas.openxmlformats.org/drawingml/2006/main" xmlns:r="http://schemas.openxmlformats.org/officeDocument/2006/relationships" xmlns:p="http://schemas.openxmlformats.org/presentationml/2006/main">
+  <p:cSld>
+    <p:spTree>
+      <p:nvGrpSpPr>
+        <p:cNvPr id="1" name=""/>
+        <p:cNvGrpSpPr/>
+        <p:nvPr/>
+      </p:nvGrpSpPr>
+      <p:grpSpPr>
+        <a:xfrm>
+          <a:off x="0" y="0"/>
+          <a:ext cx="0" cy="0"/>
+          <a:chOff x="0" y="0"/>
+          <a:chExt cx="0" cy="0"/>
+        </a:xfrm>
+      </p:grpSpPr>
+      <p:sp>
+        <p:nvSpPr>
+          <p:cNvPr id="2" name="Title 1"/>
+          <p:cNvSpPr>
+            <a:spLocks noGrp="1"/>
+          </p:cNvSpPr>
+          <p:nvPr>
+            <p:ph type="title"/>
+          </p:nvPr>
+        </p:nvSpPr>
+        <p:spPr/>
+        <p:txBody>
+          <a:bodyPr anchor="ctr"/>
+          <a:lstStyle/>
+          <a:p>
+            <a:pPr algn="ctr"/>
+            <a:r>
+              <a:rPr lang="en-US" dirty="0" smtClean="0"/>
+              <a:t>LSTM</a:t>
+            </a:r>
+            <a:endParaRPr lang="en-US" dirty="0"/>
+          </a:p>
+        </p:txBody>
+      </p:sp>
+      <p:pic>
+        <p:nvPicPr>
+          <p:cNvPr id="4" name="Content Placeholder 3"/>
+          <p:cNvPicPr>
+            <a:picLocks noGrp="1" noChangeAspect="1"/>
+          </p:cNvPicPr>
+          <p:nvPr>
+            <p:ph idx="1"/>
+          </p:nvPr>
+        </p:nvPicPr>
+        <p:blipFill>
+          <a:blip r:embed="rId2">
+            <a:extLst>
+              <a:ext uri="{28A0092B-C50C-407E-A947-70E740481C1C}">
+                <a14:useLocalDpi xmlns:a14="http://schemas.microsoft.com/office/drawing/2010/main" val="0"/>
+              </a:ext>
+            </a:extLst>
+          </a:blip>
+          <a:stretch>
+            <a:fillRect/>
+          </a:stretch>
+        </p:blipFill>
+        <p:spPr>
+          <a:xfrm>
+            <a:off x="1751716" y="2160588"/>
+            <a:ext cx="6448606" cy="3881437"/>
+          </a:xfrm>
+          <a:prstGeom prst="rect">
+            <a:avLst/>
+          </a:prstGeom>
+        </p:spPr>
+      </p:pic>
+    </p:spTree>
+    <p:extLst>
+      <p:ext uri="{BB962C8B-B14F-4D97-AF65-F5344CB8AC3E}">
+        <p14:creationId xmlns:p14="http://schemas.microsoft.com/office/powerpoint/2010/main" val="503003904"/>
+      </p:ext>
+    </p:extLst>
+  </p:cSld>
+  <p:clrMapOvr>
+    <a:masterClrMapping/>
+  </p:clrMapOvr>
+  <p:transition spd="slow">
+    <p:push dir="u"/>
+  </p:transition>
+  <p:timing>
+    <p:tnLst>
+      <p:par>
+        <p:cTn id="1" dur="indefinite" restart="never" nodeType="tmRoot"/>
+      </p:par>
+    </p:tnLst>
+  </p:timing>
+</p:sld>
+</file>
+
+<file path=ppt/slides/slide17.xml><?xml version="1.0" encoding="utf-8"?>
+<p:sld xmlns:a="http://schemas.openxmlformats.org/drawingml/2006/main" xmlns:r="http://schemas.openxmlformats.org/officeDocument/2006/relationships" xmlns:p="http://schemas.openxmlformats.org/presentationml/2006/main">
+  <p:cSld>
+    <p:bg>
+      <p:bgPr>
+        <a:solidFill>
+          <a:schemeClr val="bg1"/>
+        </a:solidFill>
+        <a:effectLst/>
+      </p:bgPr>
+    </p:bg>
+    <p:spTree>
+      <p:nvGrpSpPr>
+        <p:cNvPr id="1" name=""/>
+        <p:cNvGrpSpPr/>
+        <p:nvPr/>
+      </p:nvGrpSpPr>
+      <p:grpSpPr>
+        <a:xfrm>
+          <a:off x="0" y="0"/>
+          <a:ext cx="0" cy="0"/>
+          <a:chOff x="0" y="0"/>
+          <a:chExt cx="0" cy="0"/>
+        </a:xfrm>
+      </p:grpSpPr>
+      <p:sp>
+        <p:nvSpPr>
+          <p:cNvPr id="2" name="Title 1"/>
+          <p:cNvSpPr>
+            <a:spLocks noGrp="1"/>
+          </p:cNvSpPr>
+          <p:nvPr>
+            <p:ph type="title"/>
+          </p:nvPr>
+        </p:nvSpPr>
+        <p:spPr/>
+        <p:txBody>
+          <a:bodyPr vert="horz" lIns="91440" tIns="45720" rIns="91440" bIns="45720" rtlCol="0" anchor="t">
+            <a:normAutofit/>
+          </a:bodyPr>
+          <a:lstStyle/>
+          <a:p>
+            <a:r>
+              <a:rPr lang="en-US" b="1" dirty="0"/>
+              <a:t>Long short term memory — LSTM </a:t>
+            </a:r>
+            <a:endParaRPr lang="en-US" dirty="0"/>
+          </a:p>
+        </p:txBody>
+      </p:sp>
+      <p:pic>
+        <p:nvPicPr>
+          <p:cNvPr id="5" name="Content Placeholder 4"/>
+          <p:cNvPicPr>
+            <a:picLocks noGrp="1" noChangeAspect="1"/>
+          </p:cNvPicPr>
+          <p:nvPr>
+            <p:ph sz="half" idx="1"/>
+          </p:nvPr>
+        </p:nvPicPr>
+        <p:blipFill rotWithShape="1">
+          <a:blip r:embed="rId2">
+            <a:extLst>
+              <a:ext uri="{28A0092B-C50C-407E-A947-70E740481C1C}">
+                <a14:useLocalDpi xmlns:a14="http://schemas.microsoft.com/office/drawing/2010/main" val="0"/>
+              </a:ext>
+            </a:extLst>
+          </a:blip>
+          <a:srcRect l="-1" t="-2" r="366" b="-2"/>
+          <a:stretch/>
+        </p:blipFill>
+        <p:spPr>
+          <a:xfrm>
+            <a:off x="677333" y="2159332"/>
+            <a:ext cx="5394960" cy="3479101"/>
+          </a:xfrm>
+          <a:prstGeom prst="rect">
+            <a:avLst/>
+          </a:prstGeom>
+        </p:spPr>
+      </p:pic>
+      <p:pic>
+        <p:nvPicPr>
+          <p:cNvPr id="1025" name="Picture 1" descr="age14image24368"/>
+          <p:cNvPicPr>
+            <a:picLocks noGrp="1" noChangeAspect="1" noChangeArrowheads="1"/>
+          </p:cNvPicPr>
+          <p:nvPr>
+            <p:ph sz="half" idx="2"/>
+          </p:nvPr>
+        </p:nvPicPr>
+        <p:blipFill>
+          <a:blip r:embed="rId3">
+            <a:extLst>
+              <a:ext uri="{28A0092B-C50C-407E-A947-70E740481C1C}">
+                <a14:useLocalDpi xmlns:a14="http://schemas.microsoft.com/office/drawing/2010/main" val="0"/>
+              </a:ext>
+            </a:extLst>
+          </a:blip>
+          <a:srcRect/>
+          <a:stretch>
+            <a:fillRect/>
+          </a:stretch>
+        </p:blipFill>
+        <p:spPr bwMode="auto">
+          <a:xfrm>
+            <a:off x="6919435" y="2563813"/>
+            <a:ext cx="2950881" cy="2194990"/>
+          </a:xfrm>
+          <a:prstGeom prst="rect">
+            <a:avLst/>
+          </a:prstGeom>
+          <a:noFill/>
+          <a:extLst>
+            <a:ext uri="{909E8E84-426E-40DD-AFC4-6F175D3DCCD1}">
+              <a14:hiddenFill xmlns:a14="http://schemas.microsoft.com/office/drawing/2010/main">
+                <a:solidFill>
+                  <a:srgbClr val="FFFFFF"/>
+                </a:solidFill>
+              </a14:hiddenFill>
+            </a:ext>
+          </a:extLst>
+        </p:spPr>
+      </p:pic>
+    </p:spTree>
+    <p:extLst>
+      <p:ext uri="{BB962C8B-B14F-4D97-AF65-F5344CB8AC3E}">
+        <p14:creationId xmlns:p14="http://schemas.microsoft.com/office/powerpoint/2010/main" val="3129136055"/>
+      </p:ext>
+    </p:extLst>
+  </p:cSld>
+  <p:clrMapOvr>
+    <a:masterClrMapping/>
+  </p:clrMapOvr>
+  <p:transition spd="slow">
+    <p:push dir="u"/>
+  </p:transition>
+  <p:timing>
+    <p:tnLst>
+      <p:par>
+        <p:cTn id="1" dur="indefinite" restart="never" nodeType="tmRoot"/>
+      </p:par>
+    </p:tnLst>
+  </p:timing>
+</p:sld>
+</file>
+
+<file path=ppt/slides/slide18.xml><?xml version="1.0" encoding="utf-8"?>
+<p:sld xmlns:a="http://schemas.openxmlformats.org/drawingml/2006/main" xmlns:r="http://schemas.openxmlformats.org/officeDocument/2006/relationships" xmlns:p="http://schemas.openxmlformats.org/presentationml/2006/main">
+  <p:cSld>
+    <p:bg>
+      <p:bgPr>
+        <a:solidFill>
+          <a:schemeClr val="bg1"/>
+        </a:solidFill>
+        <a:effectLst/>
+      </p:bgPr>
+    </p:bg>
+    <p:spTree>
+      <p:nvGrpSpPr>
+        <p:cNvPr id="1" name=""/>
+        <p:cNvGrpSpPr/>
+        <p:nvPr/>
+      </p:nvGrpSpPr>
+      <p:grpSpPr>
+        <a:xfrm>
+          <a:off x="0" y="0"/>
+          <a:ext cx="0" cy="0"/>
+          <a:chOff x="0" y="0"/>
+          <a:chExt cx="0" cy="0"/>
+        </a:xfrm>
+      </p:grpSpPr>
+      <p:sp>
+        <p:nvSpPr>
+          <p:cNvPr id="2" name="Title 1"/>
+          <p:cNvSpPr>
+            <a:spLocks noGrp="1"/>
+          </p:cNvSpPr>
+          <p:nvPr>
+            <p:ph type="title"/>
+          </p:nvPr>
+        </p:nvSpPr>
+        <p:spPr/>
+        <p:txBody>
+          <a:bodyPr vert="horz" lIns="91440" tIns="45720" rIns="91440" bIns="45720" rtlCol="0" anchor="b">
+            <a:normAutofit/>
+          </a:bodyPr>
+          <a:lstStyle/>
+          <a:p>
+            <a:pPr algn="r">
+              <a:lnSpc>
+                <a:spcPct val="90000"/>
+              </a:lnSpc>
+            </a:pPr>
+            <a:r>
+              <a:rPr lang="en-US" sz="4200" b="1"/>
+              <a:t>Gated recurrent unit — </a:t>
+            </a:r>
+            <a:r>
+              <a:rPr lang="en-US" sz="4200" b="1" dirty="0"/>
+              <a:t>GRU </a:t>
+            </a:r>
+            <a:endParaRPr lang="en-US" sz="4200" dirty="0"/>
+          </a:p>
+        </p:txBody>
+      </p:sp>
+      <p:pic>
+        <p:nvPicPr>
+          <p:cNvPr id="2049" name="Picture 1" descr="age23image16040"/>
+          <p:cNvPicPr>
+            <a:picLocks noGrp="1" noChangeAspect="1" noChangeArrowheads="1"/>
+          </p:cNvPicPr>
+          <p:nvPr>
+            <p:ph sz="half" idx="2"/>
+          </p:nvPr>
+        </p:nvPicPr>
+        <p:blipFill rotWithShape="1">
+          <a:blip r:embed="rId2">
+            <a:extLst>
+              <a:ext uri="{28A0092B-C50C-407E-A947-70E740481C1C}">
+                <a14:useLocalDpi xmlns:a14="http://schemas.microsoft.com/office/drawing/2010/main" val="0"/>
+              </a:ext>
+            </a:extLst>
+          </a:blip>
+          <a:stretch/>
+        </p:blipFill>
+        <p:spPr bwMode="auto">
+          <a:xfrm>
+            <a:off x="5396010" y="3051544"/>
+            <a:ext cx="3737709" cy="1479828"/>
+          </a:xfrm>
+          <a:prstGeom prst="rect">
+            <a:avLst/>
+          </a:prstGeom>
+          <a:noFill/>
+          <a:extLst>
+            <a:ext uri="{909E8E84-426E-40DD-AFC4-6F175D3DCCD1}">
+              <a14:hiddenFill xmlns:a14="http://schemas.microsoft.com/office/drawing/2010/main">
+                <a:solidFill>
+                  <a:srgbClr val="FFFFFF"/>
+                </a:solidFill>
+              </a14:hiddenFill>
+            </a:ext>
+          </a:extLst>
+        </p:spPr>
+      </p:pic>
+      <p:pic>
+        <p:nvPicPr>
+          <p:cNvPr id="18" name="Content Placeholder 17"/>
+          <p:cNvPicPr>
+            <a:picLocks noGrp="1" noChangeAspect="1"/>
+          </p:cNvPicPr>
+          <p:nvPr>
+            <p:ph sz="half" idx="1"/>
+          </p:nvPr>
+        </p:nvPicPr>
+        <p:blipFill>
+          <a:blip r:embed="rId3">
+            <a:extLst>
+              <a:ext uri="{28A0092B-C50C-407E-A947-70E740481C1C}">
+                <a14:useLocalDpi xmlns:a14="http://schemas.microsoft.com/office/drawing/2010/main" val="0"/>
+              </a:ext>
+            </a:extLst>
+          </a:blip>
+          <a:stretch>
+            <a:fillRect/>
+          </a:stretch>
+        </p:blipFill>
+        <p:spPr>
+          <a:xfrm>
+            <a:off x="677863" y="2726647"/>
+            <a:ext cx="4183062" cy="2749319"/>
+          </a:xfrm>
+          <a:prstGeom prst="rect">
+            <a:avLst/>
+          </a:prstGeom>
+        </p:spPr>
+      </p:pic>
+    </p:spTree>
+    <p:extLst>
+      <p:ext uri="{BB962C8B-B14F-4D97-AF65-F5344CB8AC3E}">
+        <p14:creationId xmlns:p14="http://schemas.microsoft.com/office/powerpoint/2010/main" val="4236229043"/>
+      </p:ext>
+    </p:extLst>
+  </p:cSld>
+  <p:clrMapOvr>
+    <a:masterClrMapping/>
+  </p:clrMapOvr>
+  <p:transition spd="slow">
+    <p:push dir="u"/>
+  </p:transition>
+  <p:timing>
+    <p:tnLst>
+      <p:par>
+        <p:cTn id="1" dur="indefinite" restart="never" nodeType="tmRoot"/>
+      </p:par>
+    </p:tnLst>
+  </p:timing>
+</p:sld>
+</file>
+
+<file path=ppt/slides/slide19.xml><?xml version="1.0" encoding="utf-8"?>
+<p:sld xmlns:a="http://schemas.openxmlformats.org/drawingml/2006/main" xmlns:r="http://schemas.openxmlformats.org/officeDocument/2006/relationships" xmlns:p="http://schemas.openxmlformats.org/presentationml/2006/main">
+  <p:cSld>
+    <p:spTree>
+      <p:nvGrpSpPr>
+        <p:cNvPr id="1" name=""/>
+        <p:cNvGrpSpPr/>
+        <p:nvPr/>
+      </p:nvGrpSpPr>
+      <p:grpSpPr>
+        <a:xfrm>
+          <a:off x="0" y="0"/>
+          <a:ext cx="0" cy="0"/>
+          <a:chOff x="0" y="0"/>
+          <a:chExt cx="0" cy="0"/>
+        </a:xfrm>
+      </p:grpSpPr>
+      <p:sp>
+        <p:nvSpPr>
+          <p:cNvPr id="2" name="Title 1"/>
+          <p:cNvSpPr>
+            <a:spLocks noGrp="1"/>
+          </p:cNvSpPr>
+          <p:nvPr>
+            <p:ph type="title"/>
+          </p:nvPr>
+        </p:nvSpPr>
+        <p:spPr/>
+        <p:txBody>
+          <a:bodyPr anchor="ctr"/>
+          <a:lstStyle/>
+          <a:p>
+            <a:pPr algn="ctr"/>
+            <a:r>
+              <a:rPr lang="en-US" dirty="0" smtClean="0"/>
+              <a:t>GRU - Simplified</a:t>
+            </a:r>
+            <a:endParaRPr lang="en-US" dirty="0"/>
+          </a:p>
+        </p:txBody>
+      </p:sp>
+      <p:pic>
+        <p:nvPicPr>
+          <p:cNvPr id="6" name="Content Placeholder 5"/>
+          <p:cNvPicPr>
+            <a:picLocks noGrp="1" noChangeAspect="1"/>
+          </p:cNvPicPr>
+          <p:nvPr>
+            <p:ph idx="1"/>
+          </p:nvPr>
+        </p:nvPicPr>
+        <p:blipFill>
+          <a:blip r:embed="rId2">
+            <a:extLst>
+              <a:ext uri="{28A0092B-C50C-407E-A947-70E740481C1C}">
+                <a14:useLocalDpi xmlns:a14="http://schemas.microsoft.com/office/drawing/2010/main" val="0"/>
+              </a:ext>
+            </a:extLst>
+          </a:blip>
+          <a:stretch>
+            <a:fillRect/>
+          </a:stretch>
+        </p:blipFill>
+        <p:spPr>
+          <a:xfrm>
+            <a:off x="2423085" y="1733108"/>
+            <a:ext cx="5105165" cy="3444949"/>
+          </a:xfrm>
+          <a:prstGeom prst="rect">
+            <a:avLst/>
+          </a:prstGeom>
+          <a:solidFill>
+            <a:schemeClr val="accent1"/>
+          </a:solidFill>
+        </p:spPr>
+      </p:pic>
+    </p:spTree>
+    <p:extLst>
+      <p:ext uri="{BB962C8B-B14F-4D97-AF65-F5344CB8AC3E}">
+        <p14:creationId xmlns:p14="http://schemas.microsoft.com/office/powerpoint/2010/main" val="884434236"/>
+      </p:ext>
+    </p:extLst>
+  </p:cSld>
+  <p:clrMapOvr>
+    <a:masterClrMapping/>
+  </p:clrMapOvr>
+  <p:transition spd="slow">
+    <p:push dir="u"/>
+  </p:transition>
+  <p:timing>
+    <p:tnLst>
+      <p:par>
+        <p:cTn id="1" dur="indefinite" restart="never" nodeType="tmRoot"/>
+      </p:par>
+    </p:tnLst>
+  </p:timing>
+</p:sld>
+</file>
+
+<file path=ppt/slides/slide2.xml><?xml version="1.0" encoding="utf-8"?>
+<p:sld xmlns:a="http://schemas.openxmlformats.org/drawingml/2006/main" xmlns:r="http://schemas.openxmlformats.org/officeDocument/2006/relationships" xmlns:p="http://schemas.openxmlformats.org/presentationml/2006/main">
+  <p:cSld>
+    <p:spTree>
+      <p:nvGrpSpPr>
+        <p:cNvPr id="1" name=""/>
+        <p:cNvGrpSpPr/>
+        <p:nvPr/>
+      </p:nvGrpSpPr>
+      <p:grpSpPr>
+        <a:xfrm>
+          <a:off x="0" y="0"/>
+          <a:ext cx="0" cy="0"/>
+          <a:chOff x="0" y="0"/>
+          <a:chExt cx="0" cy="0"/>
+        </a:xfrm>
+      </p:grpSpPr>
+      <p:sp>
+        <p:nvSpPr>
+          <p:cNvPr id="2" name="Title 1">
+            <a:extLst>
+              <a:ext uri="{FF2B5EF4-FFF2-40B4-BE49-F238E27FC236}">
+                <a16:creationId xmlns:a16="http://schemas.microsoft.com/office/drawing/2014/main" xmlns="" id="{91E0BDFE-ACE4-43C4-A5AC-E4D6B0598D36}"/>
+              </a:ext>
+            </a:extLst>
+          </p:cNvPr>
+          <p:cNvSpPr>
+            <a:spLocks noGrp="1"/>
+          </p:cNvSpPr>
+          <p:nvPr>
+            <p:ph type="title"/>
+          </p:nvPr>
+        </p:nvSpPr>
+        <p:spPr/>
+        <p:txBody>
+          <a:bodyPr/>
+          <a:lstStyle/>
+          <a:p>
+            <a:r>
+              <a:rPr lang="en-US" dirty="0"/>
+              <a:t>Introduction</a:t>
+            </a:r>
+          </a:p>
+        </p:txBody>
+      </p:sp>
+      <p:sp>
+        <p:nvSpPr>
+          <p:cNvPr id="3" name="Content Placeholder 2">
+            <a:extLst>
+              <a:ext uri="{FF2B5EF4-FFF2-40B4-BE49-F238E27FC236}">
+                <a16:creationId xmlns:a16="http://schemas.microsoft.com/office/drawing/2014/main" xmlns:a14="http://schemas.microsoft.com/office/drawing/2010/main" xmlns:mc="http://schemas.openxmlformats.org/markup-compatibility/2006" xmlns="" id="{74622895-88D8-472D-955D-D24089255F96}"/>
+              </a:ext>
+            </a:extLst>
+          </p:cNvPr>
+          <p:cNvSpPr>
+            <a:spLocks noGrp="1"/>
+          </p:cNvSpPr>
+          <p:nvPr>
+            <p:ph idx="1"/>
+          </p:nvPr>
+        </p:nvSpPr>
+        <p:spPr/>
+        <p:txBody>
+          <a:bodyPr anchor="t">
+            <a:normAutofit/>
+          </a:bodyPr>
+          <a:lstStyle/>
+          <a:p>
+            <a:r>
+              <a:rPr lang="en-US" sz="2400" dirty="0"/>
+              <a:t>Useful for sequential data.</a:t>
+            </a:r>
+          </a:p>
+          <a:p>
+            <a:r>
+              <a:rPr lang="en-US" sz="2400" dirty="0" smtClean="0"/>
+              <a:t>Application:</a:t>
+            </a:r>
+          </a:p>
+          <a:p>
+            <a:pPr lvl="1"/>
+            <a:r>
+              <a:rPr lang="en-US" sz="2000" dirty="0" smtClean="0"/>
+              <a:t>Speech recognition</a:t>
+            </a:r>
+          </a:p>
+          <a:p>
+            <a:pPr lvl="1"/>
+            <a:r>
+              <a:rPr lang="en-US" sz="2000" dirty="0" smtClean="0"/>
+              <a:t>Language modeling</a:t>
+            </a:r>
+          </a:p>
+          <a:p>
+            <a:pPr lvl="1"/>
+            <a:r>
+              <a:rPr lang="en-US" sz="2000" dirty="0" smtClean="0"/>
+              <a:t>Machine translation</a:t>
+            </a:r>
+          </a:p>
+          <a:p>
+            <a:pPr lvl="1"/>
+            <a:r>
+              <a:rPr lang="en-US" sz="2000" dirty="0" smtClean="0"/>
+              <a:t>Sentiment analysis</a:t>
+            </a:r>
+          </a:p>
+          <a:p>
+            <a:pPr lvl="1"/>
+            <a:r>
+              <a:rPr lang="en-US" sz="2000" dirty="0" smtClean="0"/>
+              <a:t>Image captioning etc.</a:t>
+            </a:r>
+            <a:endParaRPr lang="en-US" sz="2000" dirty="0"/>
+          </a:p>
+        </p:txBody>
+      </p:sp>
+    </p:spTree>
+    <p:extLst>
+      <p:ext uri="{BB962C8B-B14F-4D97-AF65-F5344CB8AC3E}">
+        <p14:creationId xmlns:p14="http://schemas.microsoft.com/office/powerpoint/2010/main" val="3280552077"/>
+      </p:ext>
+    </p:extLst>
+  </p:cSld>
+  <p:clrMapOvr>
+    <a:masterClrMapping/>
+  </p:clrMapOvr>
+  <p:transition spd="slow">
+    <p:push dir="u"/>
+  </p:transition>
+  <p:timing>
+    <p:tnLst>
+      <p:par>
+        <p:cTn id="1" dur="indefinite" restart="never" nodeType="tmRoot"/>
+      </p:par>
+    </p:tnLst>
+  </p:timing>
+</p:sld>
+</file>
+
+<file path=ppt/slides/slide20.xml><?xml version="1.0" encoding="utf-8"?>
+<p:sld xmlns:a="http://schemas.openxmlformats.org/drawingml/2006/main" xmlns:r="http://schemas.openxmlformats.org/officeDocument/2006/relationships" xmlns:p="http://schemas.openxmlformats.org/presentationml/2006/main">
+  <p:cSld>
+    <p:spTree>
+      <p:nvGrpSpPr>
+        <p:cNvPr id="1" name=""/>
+        <p:cNvGrpSpPr/>
+        <p:nvPr/>
+      </p:nvGrpSpPr>
+      <p:grpSpPr>
+        <a:xfrm>
+          <a:off x="0" y="0"/>
+          <a:ext cx="0" cy="0"/>
+          <a:chOff x="0" y="0"/>
+          <a:chExt cx="0" cy="0"/>
+        </a:xfrm>
+      </p:grpSpPr>
+      <p:sp>
+        <p:nvSpPr>
+          <p:cNvPr id="5" name="Title 4"/>
+          <p:cNvSpPr>
+            <a:spLocks noGrp="1"/>
+          </p:cNvSpPr>
+          <p:nvPr>
+            <p:ph type="title"/>
+          </p:nvPr>
+        </p:nvSpPr>
+        <p:spPr/>
+        <p:txBody>
+          <a:bodyPr/>
+          <a:lstStyle/>
+          <a:p>
+            <a:r>
+              <a:rPr lang="en-US" dirty="0" smtClean="0"/>
+              <a:t>Reference</a:t>
+            </a:r>
+            <a:endParaRPr lang="en-US" dirty="0"/>
+          </a:p>
+        </p:txBody>
+      </p:sp>
+      <p:sp>
+        <p:nvSpPr>
+          <p:cNvPr id="6" name="Content Placeholder 5"/>
+          <p:cNvSpPr>
+            <a:spLocks noGrp="1"/>
+          </p:cNvSpPr>
+          <p:nvPr>
+            <p:ph idx="1"/>
+          </p:nvPr>
+        </p:nvSpPr>
+        <p:spPr/>
+        <p:txBody>
+          <a:bodyPr/>
+          <a:lstStyle/>
+          <a:p>
+            <a:r>
+              <a:rPr lang="en-US" dirty="0" smtClean="0">
+                <a:hlinkClick r:id="rId2"/>
+              </a:rPr>
+              <a:t>Recurrent Neural Networks (RNN) and Long Short-Term Memory (LSTM)-Brandon Rohrer</a:t>
+            </a:r>
+            <a:endParaRPr lang="en-US" dirty="0" smtClean="0"/>
+          </a:p>
+          <a:p>
+            <a:r>
+              <a:rPr lang="en-US" dirty="0" smtClean="0"/>
+              <a:t>Chapter 6 of Deep Learning with Keras</a:t>
+            </a:r>
+            <a:endParaRPr lang="en-US" dirty="0"/>
+          </a:p>
+        </p:txBody>
+      </p:sp>
+    </p:spTree>
+    <p:extLst>
+      <p:ext uri="{BB962C8B-B14F-4D97-AF65-F5344CB8AC3E}">
+        <p14:creationId xmlns:p14="http://schemas.microsoft.com/office/powerpoint/2010/main" val="228719655"/>
+      </p:ext>
+    </p:extLst>
+  </p:cSld>
+  <p:clrMapOvr>
+    <a:masterClrMapping/>
+  </p:clrMapOvr>
+  <p:transition spd="slow">
+    <p:push dir="u"/>
+  </p:transition>
+</p:sld>
+</file>
+
+<file path=ppt/slides/slide3.xml><?xml version="1.0" encoding="utf-8"?>
+<p:sld xmlns:a="http://schemas.openxmlformats.org/drawingml/2006/main" xmlns:r="http://schemas.openxmlformats.org/officeDocument/2006/relationships" xmlns:p="http://schemas.openxmlformats.org/presentationml/2006/main">
+  <p:cSld>
+    <p:spTree>
+      <p:nvGrpSpPr>
+        <p:cNvPr id="1" name=""/>
+        <p:cNvGrpSpPr/>
+        <p:nvPr/>
+      </p:nvGrpSpPr>
+      <p:grpSpPr>
+        <a:xfrm>
+          <a:off x="0" y="0"/>
+          <a:ext cx="0" cy="0"/>
+          <a:chOff x="0" y="0"/>
+          <a:chExt cx="0" cy="0"/>
+        </a:xfrm>
+      </p:grpSpPr>
+      <p:sp>
+        <p:nvSpPr>
+          <p:cNvPr id="4" name="Title 3"/>
+          <p:cNvSpPr>
+            <a:spLocks noGrp="1"/>
+          </p:cNvSpPr>
+          <p:nvPr>
+            <p:ph type="title"/>
+          </p:nvPr>
+        </p:nvSpPr>
+        <p:spPr/>
+        <p:txBody>
+          <a:bodyPr/>
+          <a:lstStyle/>
+          <a:p>
+            <a:r>
+              <a:rPr lang="en-US" dirty="0" smtClean="0"/>
+              <a:t>Some Important Terms and Symbols</a:t>
+            </a:r>
+            <a:endParaRPr lang="en-US" dirty="0"/>
+          </a:p>
+        </p:txBody>
+      </p:sp>
+      <p:sp>
+        <p:nvSpPr>
+          <p:cNvPr id="5" name="Text Placeholder 4"/>
+          <p:cNvSpPr>
+            <a:spLocks noGrp="1"/>
+          </p:cNvSpPr>
+          <p:nvPr>
+            <p:ph type="body" idx="1"/>
+          </p:nvPr>
+        </p:nvSpPr>
+        <p:spPr/>
+        <p:txBody>
+          <a:bodyPr/>
+          <a:lstStyle/>
+          <a:p>
+            <a:r>
+              <a:rPr lang="en-US" dirty="0" smtClean="0"/>
+              <a:t>There are several terms and symbols which are used in RNN to represent the models.</a:t>
+            </a:r>
+            <a:endParaRPr lang="en-US" dirty="0"/>
+          </a:p>
+        </p:txBody>
+      </p:sp>
+    </p:spTree>
+    <p:extLst>
+      <p:ext uri="{BB962C8B-B14F-4D97-AF65-F5344CB8AC3E}">
+        <p14:creationId xmlns:p14="http://schemas.microsoft.com/office/powerpoint/2010/main" val="369112327"/>
+      </p:ext>
+    </p:extLst>
+  </p:cSld>
+  <p:clrMapOvr>
+    <a:masterClrMapping/>
+  </p:clrMapOvr>
+  <p:transition spd="slow">
+    <p:push dir="u"/>
+  </p:transition>
+  <p:timing>
+    <p:tnLst>
+      <p:par>
+        <p:cTn id="1" dur="indefinite" restart="never" nodeType="tmRoot"/>
+      </p:par>
+    </p:tnLst>
+  </p:timing>
+</p:sld>
+</file>
+
+<file path=ppt/slides/slide4.xml><?xml version="1.0" encoding="utf-8"?>
+<p:sld xmlns:a="http://schemas.openxmlformats.org/drawingml/2006/main" xmlns:r="http://schemas.openxmlformats.org/officeDocument/2006/relationships" xmlns:p="http://schemas.openxmlformats.org/presentationml/2006/main">
+  <p:cSld>
+    <p:bg>
+      <p:bgPr>
+        <a:solidFill>
+          <a:schemeClr val="bg1"/>
+        </a:solidFill>
+        <a:effectLst/>
+      </p:bgPr>
+    </p:bg>
+    <p:spTree>
+      <p:nvGrpSpPr>
+        <p:cNvPr id="1" name=""/>
+        <p:cNvGrpSpPr/>
+        <p:nvPr/>
+      </p:nvGrpSpPr>
+      <p:grpSpPr>
+        <a:xfrm>
+          <a:off x="0" y="0"/>
+          <a:ext cx="0" cy="0"/>
+          <a:chOff x="0" y="0"/>
+          <a:chExt cx="0" cy="0"/>
+        </a:xfrm>
+      </p:grpSpPr>
+      <p:sp>
+        <p:nvSpPr>
+          <p:cNvPr id="7" name="Title 6"/>
+          <p:cNvSpPr>
+            <a:spLocks noGrp="1"/>
+          </p:cNvSpPr>
+          <p:nvPr>
+            <p:ph type="title"/>
+          </p:nvPr>
+        </p:nvSpPr>
+        <p:spPr/>
+        <p:txBody>
+          <a:bodyPr anchor="ctr"/>
+          <a:lstStyle/>
+          <a:p>
+            <a:pPr algn="ctr"/>
+            <a:r>
+              <a:rPr lang="en-US" dirty="0" smtClean="0"/>
+              <a:t>Addition</a:t>
+            </a:r>
+            <a:endParaRPr lang="en-US" dirty="0"/>
+          </a:p>
+        </p:txBody>
+      </p:sp>
+      <p:pic>
+        <p:nvPicPr>
+          <p:cNvPr id="9" name="Content Placeholder 8"/>
+          <p:cNvPicPr>
+            <a:picLocks noGrp="1" noChangeAspect="1"/>
+          </p:cNvPicPr>
+          <p:nvPr>
+            <p:ph idx="1"/>
+          </p:nvPr>
+        </p:nvPicPr>
+        <p:blipFill>
+          <a:blip r:embed="rId2">
+            <a:extLst>
+              <a:ext uri="{28A0092B-C50C-407E-A947-70E740481C1C}">
+                <a14:useLocalDpi xmlns:a14="http://schemas.microsoft.com/office/drawing/2010/main" val="0"/>
+              </a:ext>
+            </a:extLst>
+          </a:blip>
+          <a:stretch>
+            <a:fillRect/>
+          </a:stretch>
+        </p:blipFill>
+        <p:spPr>
+          <a:xfrm>
+            <a:off x="1381745" y="1607695"/>
+            <a:ext cx="7187846" cy="3881437"/>
+          </a:xfrm>
+          <a:prstGeom prst="rect">
+            <a:avLst/>
+          </a:prstGeom>
+        </p:spPr>
+      </p:pic>
+    </p:spTree>
+    <p:extLst>
+      <p:ext uri="{BB962C8B-B14F-4D97-AF65-F5344CB8AC3E}">
+        <p14:creationId xmlns:p14="http://schemas.microsoft.com/office/powerpoint/2010/main" val="3510401266"/>
+      </p:ext>
+    </p:extLst>
+  </p:cSld>
+  <p:clrMapOvr>
+    <a:masterClrMapping/>
+  </p:clrMapOvr>
+  <p:transition spd="slow">
+    <p:push dir="u"/>
+  </p:transition>
+  <p:timing>
+    <p:tnLst>
+      <p:par>
+        <p:cTn id="1" dur="indefinite" restart="never" nodeType="tmRoot"/>
+      </p:par>
+    </p:tnLst>
+  </p:timing>
+</p:sld>
+</file>
+
+<file path=ppt/slides/slide5.xml><?xml version="1.0" encoding="utf-8"?>
+<p:sld xmlns:a="http://schemas.openxmlformats.org/drawingml/2006/main" xmlns:r="http://schemas.openxmlformats.org/officeDocument/2006/relationships" xmlns:p="http://schemas.openxmlformats.org/presentationml/2006/main">
+  <p:cSld>
+    <p:spTree>
+      <p:nvGrpSpPr>
+        <p:cNvPr id="1" name=""/>
+        <p:cNvGrpSpPr/>
+        <p:nvPr/>
+      </p:nvGrpSpPr>
+      <p:grpSpPr>
+        <a:xfrm>
+          <a:off x="0" y="0"/>
+          <a:ext cx="0" cy="0"/>
+          <a:chOff x="0" y="0"/>
+          <a:chExt cx="0" cy="0"/>
+        </a:xfrm>
+      </p:grpSpPr>
+      <p:sp>
+        <p:nvSpPr>
+          <p:cNvPr id="2" name="Title 1"/>
+          <p:cNvSpPr>
+            <a:spLocks noGrp="1"/>
+          </p:cNvSpPr>
+          <p:nvPr>
+            <p:ph type="title"/>
+          </p:nvPr>
+        </p:nvSpPr>
+        <p:spPr/>
+        <p:txBody>
+          <a:bodyPr anchor="ctr"/>
+          <a:lstStyle/>
+          <a:p>
+            <a:pPr algn="ctr"/>
+            <a:r>
+              <a:rPr lang="en-US" dirty="0" smtClean="0"/>
+              <a:t>Multiplication</a:t>
+            </a:r>
+            <a:endParaRPr lang="en-US" dirty="0"/>
+          </a:p>
+        </p:txBody>
+      </p:sp>
+      <p:pic>
+        <p:nvPicPr>
+          <p:cNvPr id="4" name="Content Placeholder 3"/>
+          <p:cNvPicPr>
+            <a:picLocks noGrp="1" noChangeAspect="1"/>
+          </p:cNvPicPr>
+          <p:nvPr>
+            <p:ph idx="1"/>
+          </p:nvPr>
+        </p:nvPicPr>
+        <p:blipFill>
+          <a:blip r:embed="rId2">
+            <a:extLst>
+              <a:ext uri="{28A0092B-C50C-407E-A947-70E740481C1C}">
+                <a14:useLocalDpi xmlns:a14="http://schemas.microsoft.com/office/drawing/2010/main" val="0"/>
+              </a:ext>
+            </a:extLst>
+          </a:blip>
+          <a:stretch>
+            <a:fillRect/>
+          </a:stretch>
+        </p:blipFill>
+        <p:spPr>
+          <a:xfrm>
+            <a:off x="1316767" y="1767183"/>
+            <a:ext cx="7317802" cy="3881437"/>
+          </a:xfrm>
+          <a:prstGeom prst="rect">
+            <a:avLst/>
+          </a:prstGeom>
+        </p:spPr>
+      </p:pic>
+    </p:spTree>
+    <p:extLst>
+      <p:ext uri="{BB962C8B-B14F-4D97-AF65-F5344CB8AC3E}">
+        <p14:creationId xmlns:p14="http://schemas.microsoft.com/office/powerpoint/2010/main" val="457596249"/>
+      </p:ext>
+    </p:extLst>
+  </p:cSld>
+  <p:clrMapOvr>
+    <a:masterClrMapping/>
+  </p:clrMapOvr>
+  <p:transition spd="slow">
+    <p:push dir="u"/>
+  </p:transition>
+  <p:timing>
+    <p:tnLst>
+      <p:par>
+        <p:cTn id="1" dur="indefinite" restart="never" nodeType="tmRoot"/>
+      </p:par>
+    </p:tnLst>
+  </p:timing>
+</p:sld>
+</file>
+
+<file path=ppt/slides/slide6.xml><?xml version="1.0" encoding="utf-8"?>
+<p:sld xmlns:a="http://schemas.openxmlformats.org/drawingml/2006/main" xmlns:r="http://schemas.openxmlformats.org/officeDocument/2006/relationships" xmlns:p="http://schemas.openxmlformats.org/presentationml/2006/main">
+  <p:cSld>
+    <p:spTree>
+      <p:nvGrpSpPr>
+        <p:cNvPr id="1" name=""/>
+        <p:cNvGrpSpPr/>
+        <p:nvPr/>
+      </p:nvGrpSpPr>
+      <p:grpSpPr>
+        <a:xfrm>
+          <a:off x="0" y="0"/>
+          <a:ext cx="0" cy="0"/>
+          <a:chOff x="0" y="0"/>
+          <a:chExt cx="0" cy="0"/>
+        </a:xfrm>
+      </p:grpSpPr>
+      <p:sp>
+        <p:nvSpPr>
+          <p:cNvPr id="2" name="Title 1"/>
+          <p:cNvSpPr>
+            <a:spLocks noGrp="1"/>
+          </p:cNvSpPr>
+          <p:nvPr>
+            <p:ph type="title"/>
+          </p:nvPr>
+        </p:nvSpPr>
+        <p:spPr/>
+        <p:txBody>
+          <a:bodyPr anchor="ctr"/>
+          <a:lstStyle/>
+          <a:p>
+            <a:pPr algn="ctr"/>
+            <a:r>
+              <a:rPr lang="en-US" dirty="0" smtClean="0"/>
+              <a:t>Gating</a:t>
+            </a:r>
+            <a:endParaRPr lang="en-US" dirty="0"/>
+          </a:p>
+        </p:txBody>
+      </p:sp>
+      <p:pic>
+        <p:nvPicPr>
+          <p:cNvPr id="4" name="Content Placeholder 3"/>
+          <p:cNvPicPr>
+            <a:picLocks noGrp="1" noChangeAspect="1"/>
+          </p:cNvPicPr>
+          <p:nvPr>
+            <p:ph idx="1"/>
+          </p:nvPr>
+        </p:nvPicPr>
+        <p:blipFill rotWithShape="1">
+          <a:blip r:embed="rId2">
+            <a:extLst>
+              <a:ext uri="{28A0092B-C50C-407E-A947-70E740481C1C}">
+                <a14:useLocalDpi xmlns:a14="http://schemas.microsoft.com/office/drawing/2010/main" val="0"/>
+              </a:ext>
+            </a:extLst>
+          </a:blip>
+          <a:srcRect t="16654"/>
+          <a:stretch/>
+        </p:blipFill>
+        <p:spPr>
+          <a:xfrm>
+            <a:off x="677334" y="1881033"/>
+            <a:ext cx="8596668" cy="3905809"/>
+          </a:xfrm>
+          <a:prstGeom prst="rect">
+            <a:avLst/>
+          </a:prstGeom>
+        </p:spPr>
+      </p:pic>
+    </p:spTree>
+    <p:extLst>
+      <p:ext uri="{BB962C8B-B14F-4D97-AF65-F5344CB8AC3E}">
+        <p14:creationId xmlns:p14="http://schemas.microsoft.com/office/powerpoint/2010/main" val="681217036"/>
+      </p:ext>
+    </p:extLst>
+  </p:cSld>
+  <p:clrMapOvr>
+    <a:masterClrMapping/>
+  </p:clrMapOvr>
+  <p:transition spd="slow">
+    <p:push dir="u"/>
+  </p:transition>
+  <p:timing>
+    <p:tnLst>
+      <p:par>
+        <p:cTn id="1" dur="indefinite" restart="never" nodeType="tmRoot"/>
+      </p:par>
+    </p:tnLst>
+  </p:timing>
+</p:sld>
+</file>
+
+<file path=ppt/slides/slide7.xml><?xml version="1.0" encoding="utf-8"?>
+<p:sld xmlns:a="http://schemas.openxmlformats.org/drawingml/2006/main" xmlns:r="http://schemas.openxmlformats.org/officeDocument/2006/relationships" xmlns:p="http://schemas.openxmlformats.org/presentationml/2006/main">
+  <p:cSld>
+    <p:spTree>
+      <p:nvGrpSpPr>
+        <p:cNvPr id="1" name=""/>
+        <p:cNvGrpSpPr/>
+        <p:nvPr/>
+      </p:nvGrpSpPr>
+      <p:grpSpPr>
+        <a:xfrm>
+          <a:off x="0" y="0"/>
+          <a:ext cx="0" cy="0"/>
+          <a:chOff x="0" y="0"/>
+          <a:chExt cx="0" cy="0"/>
+        </a:xfrm>
+      </p:grpSpPr>
+      <p:sp>
+        <p:nvSpPr>
+          <p:cNvPr id="2" name="Title 1"/>
+          <p:cNvSpPr>
+            <a:spLocks noGrp="1"/>
+          </p:cNvSpPr>
+          <p:nvPr>
+            <p:ph type="title"/>
+          </p:nvPr>
+        </p:nvSpPr>
+        <p:spPr/>
+        <p:txBody>
+          <a:bodyPr anchor="ctr"/>
+          <a:lstStyle/>
+          <a:p>
+            <a:pPr algn="ctr"/>
+            <a:r>
+              <a:rPr lang="en-US" dirty="0" smtClean="0"/>
+              <a:t>Activation Function</a:t>
+            </a:r>
+            <a:endParaRPr lang="en-US" dirty="0"/>
+          </a:p>
+        </p:txBody>
+      </p:sp>
+      <p:pic>
+        <p:nvPicPr>
+          <p:cNvPr id="4" name="Content Placeholder 3"/>
+          <p:cNvPicPr>
+            <a:picLocks noGrp="1" noChangeAspect="1"/>
+          </p:cNvPicPr>
+          <p:nvPr>
+            <p:ph idx="1"/>
+          </p:nvPr>
+        </p:nvPicPr>
+        <p:blipFill>
+          <a:blip r:embed="rId2">
+            <a:extLst>
+              <a:ext uri="{28A0092B-C50C-407E-A947-70E740481C1C}">
+                <a14:useLocalDpi xmlns:a14="http://schemas.microsoft.com/office/drawing/2010/main" val="0"/>
+              </a:ext>
+            </a:extLst>
+          </a:blip>
+          <a:stretch>
+            <a:fillRect/>
+          </a:stretch>
+        </p:blipFill>
+        <p:spPr>
+          <a:xfrm>
+            <a:off x="847984" y="1743054"/>
+            <a:ext cx="8596312" cy="3461863"/>
+          </a:xfrm>
+          <a:prstGeom prst="rect">
+            <a:avLst/>
+          </a:prstGeom>
+        </p:spPr>
+      </p:pic>
+    </p:spTree>
+    <p:extLst>
+      <p:ext uri="{BB962C8B-B14F-4D97-AF65-F5344CB8AC3E}">
+        <p14:creationId xmlns:p14="http://schemas.microsoft.com/office/powerpoint/2010/main" val="1327291401"/>
+      </p:ext>
+    </p:extLst>
+  </p:cSld>
+  <p:clrMapOvr>
+    <a:masterClrMapping/>
+  </p:clrMapOvr>
+  <p:transition spd="slow">
+    <p:push dir="u"/>
+  </p:transition>
+  <p:timing>
+    <p:tnLst>
+      <p:par>
+        <p:cTn id="1" dur="indefinite" restart="never" nodeType="tmRoot"/>
+      </p:par>
+    </p:tnLst>
+  </p:timing>
+</p:sld>
+</file>
+
+<file path=ppt/slides/slide8.xml><?xml version="1.0" encoding="utf-8"?>
+<p:sld xmlns:a="http://schemas.openxmlformats.org/drawingml/2006/main" xmlns:r="http://schemas.openxmlformats.org/officeDocument/2006/relationships" xmlns:p="http://schemas.openxmlformats.org/presentationml/2006/main">
+  <p:cSld>
+    <p:spTree>
+      <p:nvGrpSpPr>
+        <p:cNvPr id="1" name=""/>
+        <p:cNvGrpSpPr/>
+        <p:nvPr/>
+      </p:nvGrpSpPr>
+      <p:grpSpPr>
+        <a:xfrm>
+          <a:off x="0" y="0"/>
+          <a:ext cx="0" cy="0"/>
+          <a:chOff x="0" y="0"/>
+          <a:chExt cx="0" cy="0"/>
+        </a:xfrm>
+      </p:grpSpPr>
+      <p:sp>
+        <p:nvSpPr>
+          <p:cNvPr id="4" name="Title 3"/>
+          <p:cNvSpPr>
+            <a:spLocks noGrp="1"/>
+          </p:cNvSpPr>
+          <p:nvPr>
+            <p:ph type="title"/>
+          </p:nvPr>
+        </p:nvSpPr>
+        <p:spPr/>
+        <p:txBody>
+          <a:bodyPr anchor="ctr"/>
+          <a:lstStyle/>
+          <a:p>
+            <a:r>
+              <a:rPr lang="en-US" dirty="0" smtClean="0"/>
+              <a:t>Common Activation Functions</a:t>
+            </a:r>
+            <a:endParaRPr lang="en-US" dirty="0"/>
+          </a:p>
+        </p:txBody>
+      </p:sp>
+      <p:pic>
+        <p:nvPicPr>
+          <p:cNvPr id="7" name="Content Placeholder 6"/>
+          <p:cNvPicPr>
+            <a:picLocks noGrp="1" noChangeAspect="1"/>
+          </p:cNvPicPr>
+          <p:nvPr>
+            <p:ph sz="half" idx="1"/>
+          </p:nvPr>
+        </p:nvPicPr>
+        <p:blipFill>
+          <a:blip r:embed="rId2"/>
+          <a:stretch>
+            <a:fillRect/>
+          </a:stretch>
+        </p:blipFill>
+        <p:spPr>
+          <a:xfrm>
+            <a:off x="677334" y="2140036"/>
+            <a:ext cx="4183062" cy="1814340"/>
+          </a:xfrm>
+          <a:prstGeom prst="rect">
+            <a:avLst/>
+          </a:prstGeom>
+        </p:spPr>
+      </p:pic>
+      <p:pic>
+        <p:nvPicPr>
+          <p:cNvPr id="8" name="Content Placeholder 7"/>
+          <p:cNvPicPr>
+            <a:picLocks noGrp="1" noChangeAspect="1"/>
+          </p:cNvPicPr>
+          <p:nvPr>
+            <p:ph sz="half" idx="2"/>
+          </p:nvPr>
+        </p:nvPicPr>
+        <p:blipFill>
+          <a:blip r:embed="rId3"/>
+          <a:stretch>
+            <a:fillRect/>
+          </a:stretch>
+        </p:blipFill>
+        <p:spPr>
+          <a:xfrm>
+            <a:off x="4975668" y="3344918"/>
+            <a:ext cx="4114800" cy="2108200"/>
+          </a:xfrm>
+          <a:prstGeom prst="rect">
+            <a:avLst/>
+          </a:prstGeom>
+        </p:spPr>
+      </p:pic>
+      <p:sp>
+        <p:nvSpPr>
+          <p:cNvPr id="9" name="TextBox 8"/>
+          <p:cNvSpPr txBox="1"/>
+          <p:nvPr/>
+        </p:nvSpPr>
+        <p:spPr>
+          <a:xfrm>
+            <a:off x="1793277" y="4164012"/>
+            <a:ext cx="1951175" cy="369332"/>
+          </a:xfrm>
+          <a:prstGeom prst="rect">
+            <a:avLst/>
+          </a:prstGeom>
+          <a:noFill/>
+        </p:spPr>
+        <p:txBody>
+          <a:bodyPr wrap="none" rtlCol="0">
+            <a:spAutoFit/>
+          </a:bodyPr>
+          <a:lstStyle/>
+          <a:p>
+            <a:r>
+              <a:rPr lang="en-US" smtClean="0"/>
+              <a:t>Sigmoid Function</a:t>
+            </a:r>
+            <a:endParaRPr lang="en-US"/>
+          </a:p>
+        </p:txBody>
+      </p:sp>
+      <p:sp>
+        <p:nvSpPr>
+          <p:cNvPr id="10" name="TextBox 9"/>
+          <p:cNvSpPr txBox="1"/>
+          <p:nvPr/>
+        </p:nvSpPr>
+        <p:spPr>
+          <a:xfrm>
+            <a:off x="5947225" y="2677874"/>
+            <a:ext cx="2171685" cy="369332"/>
+          </a:xfrm>
+          <a:prstGeom prst="rect">
+            <a:avLst/>
+          </a:prstGeom>
+          <a:noFill/>
+        </p:spPr>
+        <p:txBody>
+          <a:bodyPr wrap="none" rtlCol="0">
+            <a:spAutoFit/>
+          </a:bodyPr>
+          <a:lstStyle/>
+          <a:p>
+            <a:r>
+              <a:rPr lang="en-US" smtClean="0"/>
+              <a:t>Hyperbolic Tangent</a:t>
+            </a:r>
+            <a:endParaRPr lang="en-US"/>
+          </a:p>
+        </p:txBody>
+      </p:sp>
+    </p:spTree>
+    <p:extLst>
+      <p:ext uri="{BB962C8B-B14F-4D97-AF65-F5344CB8AC3E}">
+        <p14:creationId xmlns:p14="http://schemas.microsoft.com/office/powerpoint/2010/main" val="979172225"/>
+      </p:ext>
+    </p:extLst>
+  </p:cSld>
+  <p:clrMapOvr>
+    <a:masterClrMapping/>
+  </p:clrMapOvr>
+  <p:transition spd="slow">
+    <p:push dir="u"/>
+  </p:transition>
+  <p:timing>
+    <p:tnLst>
+      <p:par>
+        <p:cTn id="1" dur="indefinite" restart="never" nodeType="tmRoot"/>
+      </p:par>
+    </p:tnLst>
+  </p:timing>
+</p:sld>
+</file>
+
+<file path=ppt/slides/slide9.xml><?xml version="1.0" encoding="utf-8"?>
+<p:sld xmlns:a="http://schemas.openxmlformats.org/drawingml/2006/main" xmlns:r="http://schemas.openxmlformats.org/officeDocument/2006/relationships" xmlns:p="http://schemas.openxmlformats.org/presentationml/2006/main">
+  <p:cSld>
+    <p:spTree>
+      <p:nvGrpSpPr>
+        <p:cNvPr id="1" name=""/>
+        <p:cNvGrpSpPr/>
+        <p:nvPr/>
+      </p:nvGrpSpPr>
+      <p:grpSpPr>
+        <a:xfrm>
+          <a:off x="0" y="0"/>
+          <a:ext cx="0" cy="0"/>
+          <a:chOff x="0" y="0"/>
+          <a:chExt cx="0" cy="0"/>
+        </a:xfrm>
+      </p:grpSpPr>
+      <p:sp>
+        <p:nvSpPr>
+          <p:cNvPr id="2" name="Title 1"/>
+          <p:cNvSpPr>
+            <a:spLocks noGrp="1"/>
+          </p:cNvSpPr>
+          <p:nvPr>
+            <p:ph type="title"/>
+          </p:nvPr>
+        </p:nvSpPr>
+        <p:spPr/>
+        <p:txBody>
+          <a:bodyPr anchor="ctr"/>
+          <a:lstStyle/>
+          <a:p>
+            <a:r>
+              <a:rPr lang="en-US" dirty="0" smtClean="0"/>
+              <a:t>One hot Coding</a:t>
+            </a:r>
+            <a:endParaRPr lang="en-US" dirty="0"/>
+          </a:p>
+        </p:txBody>
+      </p:sp>
+      <p:pic>
+        <p:nvPicPr>
+          <p:cNvPr id="5" name="Content Placeholder 4"/>
+          <p:cNvPicPr>
+            <a:picLocks noGrp="1" noChangeAspect="1"/>
+          </p:cNvPicPr>
+          <p:nvPr>
+            <p:ph idx="1"/>
+          </p:nvPr>
+        </p:nvPicPr>
+        <p:blipFill>
+          <a:blip r:embed="rId2">
+            <a:extLst>
+              <a:ext uri="{28A0092B-C50C-407E-A947-70E740481C1C}">
+                <a14:useLocalDpi xmlns:a14="http://schemas.microsoft.com/office/drawing/2010/main" val="0"/>
+              </a:ext>
+            </a:extLst>
+          </a:blip>
+          <a:stretch>
+            <a:fillRect/>
+          </a:stretch>
+        </p:blipFill>
+        <p:spPr>
+          <a:xfrm>
+            <a:off x="1205220" y="1767183"/>
+            <a:ext cx="7540896" cy="3881437"/>
+          </a:xfrm>
+        </p:spPr>
+      </p:pic>
+    </p:spTree>
+    <p:extLst>
+      <p:ext uri="{BB962C8B-B14F-4D97-AF65-F5344CB8AC3E}">
+        <p14:creationId xmlns:p14="http://schemas.microsoft.com/office/powerpoint/2010/main" val="1530651278"/>
+      </p:ext>
+    </p:extLst>
+  </p:cSld>
+  <p:clrMapOvr>
+    <a:masterClrMapping/>
+  </p:clrMapOvr>
+  <p:transition spd="slow">
+    <p:push dir="u"/>
+  </p:transition>
+  <p:timing>
+    <p:tnLst>
+      <p:par>
+        <p:cTn id="1" dur="indefinite" restart="never" nodeType="tmRoot"/>
+      </p:par>
+    </p:tnLst>
+  </p:timing>
 </p:sld>
 </file>
 
@@ -6800,28 +8649,28 @@
         <a:srgbClr val="EBEBEB"/>
       </a:lt2>
       <a:accent1>
-        <a:srgbClr val="90C226"/>
+        <a:srgbClr val="5FCBEF"/>
       </a:accent1>
       <a:accent2>
-        <a:srgbClr val="54A021"/>
+        <a:srgbClr val="2E83C3"/>
       </a:accent2>
       <a:accent3>
-        <a:srgbClr val="E6B91E"/>
+        <a:srgbClr val="42D0A2"/>
       </a:accent3>
       <a:accent4>
-        <a:srgbClr val="E76618"/>
+        <a:srgbClr val="2E946B"/>
       </a:accent4>
       <a:accent5>
-        <a:srgbClr val="C42F1A"/>
+        <a:srgbClr val="42B051"/>
       </a:accent5>
       <a:accent6>
-        <a:srgbClr val="918655"/>
+        <a:srgbClr val="96D141"/>
       </a:accent6>
       <a:hlink>
-        <a:srgbClr val="99CA3C"/>
+        <a:srgbClr val="3FCDE7"/>
       </a:hlink>
       <a:folHlink>
-        <a:srgbClr val="B9D181"/>
+        <a:srgbClr val="A9D3E1"/>
       </a:folHlink>
     </a:clrScheme>
     <a:fontScheme name="Facet">
@@ -7034,7 +8883,268 @@
   <a:extraClrSchemeLst/>
   <a:extLst>
     <a:ext uri="{05A4C25C-085E-4340-85A3-A5531E510DB2}">
-      <thm15:themeFamily xmlns:thm15="http://schemas.microsoft.com/office/thememl/2012/main" name="Facet" id="{C0C680CD-088A-49FC-A102-D699147F32B2}" vid="{CFBC31BA-B70F-4F30-BCAA-4F3011E16C4D}"/>
+      <thm15:themeFamily xmlns:thm15="http://schemas.microsoft.com/office/thememl/2012/main" name="Facet" id="{C0C680CD-088A-49FC-A102-D699147F32B2}" vid="{0B5AB586-D108-4FC1-8368-649FE654B894}"/>
+    </a:ext>
+  </a:extLst>
+</a:theme>
+</file>
+
+<file path=ppt/theme/theme2.xml><?xml version="1.0" encoding="utf-8"?>
+<a:theme xmlns:a="http://schemas.openxmlformats.org/drawingml/2006/main" name="Office Theme">
+  <a:themeElements>
+    <a:clrScheme name="Office">
+      <a:dk1>
+        <a:sysClr val="windowText" lastClr="000000"/>
+      </a:dk1>
+      <a:lt1>
+        <a:sysClr val="window" lastClr="FFFFFF"/>
+      </a:lt1>
+      <a:dk2>
+        <a:srgbClr val="44546A"/>
+      </a:dk2>
+      <a:lt2>
+        <a:srgbClr val="E7E6E6"/>
+      </a:lt2>
+      <a:accent1>
+        <a:srgbClr val="4472C4"/>
+      </a:accent1>
+      <a:accent2>
+        <a:srgbClr val="ED7D31"/>
+      </a:accent2>
+      <a:accent3>
+        <a:srgbClr val="A5A5A5"/>
+      </a:accent3>
+      <a:accent4>
+        <a:srgbClr val="FFC000"/>
+      </a:accent4>
+      <a:accent5>
+        <a:srgbClr val="5B9BD5"/>
+      </a:accent5>
+      <a:accent6>
+        <a:srgbClr val="70AD47"/>
+      </a:accent6>
+      <a:hlink>
+        <a:srgbClr val="0563C1"/>
+      </a:hlink>
+      <a:folHlink>
+        <a:srgbClr val="954F72"/>
+      </a:folHlink>
+    </a:clrScheme>
+    <a:fontScheme name="Office">
+      <a:majorFont>
+        <a:latin typeface="Calibri Light" panose="020F0302020204030204"/>
+        <a:ea typeface=""/>
+        <a:cs typeface=""/>
+        <a:font script="Jpan" typeface="Yu Gothic Light"/>
+        <a:font script="Hang" typeface="맑은 고딕"/>
+        <a:font script="Hans" typeface="DengXian Light"/>
+        <a:font script="Hant" typeface="新細明體"/>
+        <a:font script="Arab" typeface="Times New Roman"/>
+        <a:font script="Hebr" typeface="Times New Roman"/>
+        <a:font script="Thai" typeface="Angsana New"/>
+        <a:font script="Ethi" typeface="Nyala"/>
+        <a:font script="Beng" typeface="Vrinda"/>
+        <a:font script="Gujr" typeface="Shruti"/>
+        <a:font script="Khmr" typeface="MoolBoran"/>
+        <a:font script="Knda" typeface="Tunga"/>
+        <a:font script="Guru" typeface="Raavi"/>
+        <a:font script="Cans" typeface="Euphemia"/>
+        <a:font script="Cher" typeface="Plantagenet Cherokee"/>
+        <a:font script="Yiii" typeface="Microsoft Yi Baiti"/>
+        <a:font script="Tibt" typeface="Microsoft Himalaya"/>
+        <a:font script="Thaa" typeface="MV Boli"/>
+        <a:font script="Deva" typeface="Mangal"/>
+        <a:font script="Telu" typeface="Gautami"/>
+        <a:font script="Taml" typeface="Latha"/>
+        <a:font script="Syrc" typeface="Estrangelo Edessa"/>
+        <a:font script="Orya" typeface="Kalinga"/>
+        <a:font script="Mlym" typeface="Kartika"/>
+        <a:font script="Laoo" typeface="DokChampa"/>
+        <a:font script="Sinh" typeface="Iskoola Pota"/>
+        <a:font script="Mong" typeface="Mongolian Baiti"/>
+        <a:font script="Viet" typeface="Times New Roman"/>
+        <a:font script="Uigh" typeface="Microsoft Uighur"/>
+        <a:font script="Geor" typeface="Sylfaen"/>
+      </a:majorFont>
+      <a:minorFont>
+        <a:latin typeface="Calibri" panose="020F0502020204030204"/>
+        <a:ea typeface=""/>
+        <a:cs typeface=""/>
+        <a:font script="Jpan" typeface="Yu Gothic"/>
+        <a:font script="Hang" typeface="맑은 고딕"/>
+        <a:font script="Hans" typeface="DengXian"/>
+        <a:font script="Hant" typeface="新細明體"/>
+        <a:font script="Arab" typeface="Arial"/>
+        <a:font script="Hebr" typeface="Arial"/>
+        <a:font script="Thai" typeface="Cordia New"/>
+        <a:font script="Ethi" typeface="Nyala"/>
+        <a:font script="Beng" typeface="Vrinda"/>
+        <a:font script="Gujr" typeface="Shruti"/>
+        <a:font script="Khmr" typeface="DaunPenh"/>
+        <a:font script="Knda" typeface="Tunga"/>
+        <a:font script="Guru" typeface="Raavi"/>
+        <a:font script="Cans" typeface="Euphemia"/>
+        <a:font script="Cher" typeface="Plantagenet Cherokee"/>
+        <a:font script="Yiii" typeface="Microsoft Yi Baiti"/>
+        <a:font script="Tibt" typeface="Microsoft Himalaya"/>
+        <a:font script="Thaa" typeface="MV Boli"/>
+        <a:font script="Deva" typeface="Mangal"/>
+        <a:font script="Telu" typeface="Gautami"/>
+        <a:font script="Taml" typeface="Latha"/>
+        <a:font script="Syrc" typeface="Estrangelo Edessa"/>
+        <a:font script="Orya" typeface="Kalinga"/>
+        <a:font script="Mlym" typeface="Kartika"/>
+        <a:font script="Laoo" typeface="DokChampa"/>
+        <a:font script="Sinh" typeface="Iskoola Pota"/>
+        <a:font script="Mong" typeface="Mongolian Baiti"/>
+        <a:font script="Viet" typeface="Arial"/>
+        <a:font script="Uigh" typeface="Microsoft Uighur"/>
+        <a:font script="Geor" typeface="Sylfaen"/>
+      </a:minorFont>
+    </a:fontScheme>
+    <a:fmtScheme name="Office">
+      <a:fillStyleLst>
+        <a:solidFill>
+          <a:schemeClr val="phClr"/>
+        </a:solidFill>
+        <a:gradFill rotWithShape="1">
+          <a:gsLst>
+            <a:gs pos="0">
+              <a:schemeClr val="phClr">
+                <a:lumMod val="110000"/>
+                <a:satMod val="105000"/>
+                <a:tint val="67000"/>
+              </a:schemeClr>
+            </a:gs>
+            <a:gs pos="50000">
+              <a:schemeClr val="phClr">
+                <a:lumMod val="105000"/>
+                <a:satMod val="103000"/>
+                <a:tint val="73000"/>
+              </a:schemeClr>
+            </a:gs>
+            <a:gs pos="100000">
+              <a:schemeClr val="phClr">
+                <a:lumMod val="105000"/>
+                <a:satMod val="109000"/>
+                <a:tint val="81000"/>
+              </a:schemeClr>
+            </a:gs>
+          </a:gsLst>
+          <a:lin ang="5400000" scaled="0"/>
+        </a:gradFill>
+        <a:gradFill rotWithShape="1">
+          <a:gsLst>
+            <a:gs pos="0">
+              <a:schemeClr val="phClr">
+                <a:satMod val="103000"/>
+                <a:lumMod val="102000"/>
+                <a:tint val="94000"/>
+              </a:schemeClr>
+            </a:gs>
+            <a:gs pos="50000">
+              <a:schemeClr val="phClr">
+                <a:satMod val="110000"/>
+                <a:lumMod val="100000"/>
+                <a:shade val="100000"/>
+              </a:schemeClr>
+            </a:gs>
+            <a:gs pos="100000">
+              <a:schemeClr val="phClr">
+                <a:lumMod val="99000"/>
+                <a:satMod val="120000"/>
+                <a:shade val="78000"/>
+              </a:schemeClr>
+            </a:gs>
+          </a:gsLst>
+          <a:lin ang="5400000" scaled="0"/>
+        </a:gradFill>
+      </a:fillStyleLst>
+      <a:lnStyleLst>
+        <a:ln w="6350" cap="flat" cmpd="sng" algn="ctr">
+          <a:solidFill>
+            <a:schemeClr val="phClr"/>
+          </a:solidFill>
+          <a:prstDash val="solid"/>
+          <a:miter lim="800000"/>
+        </a:ln>
+        <a:ln w="12700" cap="flat" cmpd="sng" algn="ctr">
+          <a:solidFill>
+            <a:schemeClr val="phClr"/>
+          </a:solidFill>
+          <a:prstDash val="solid"/>
+          <a:miter lim="800000"/>
+        </a:ln>
+        <a:ln w="19050" cap="flat" cmpd="sng" algn="ctr">
+          <a:solidFill>
+            <a:schemeClr val="phClr"/>
+          </a:solidFill>
+          <a:prstDash val="solid"/>
+          <a:miter lim="800000"/>
+        </a:ln>
+      </a:lnStyleLst>
+      <a:effectStyleLst>
+        <a:effectStyle>
+          <a:effectLst/>
+        </a:effectStyle>
+        <a:effectStyle>
+          <a:effectLst/>
+        </a:effectStyle>
+        <a:effectStyle>
+          <a:effectLst>
+            <a:outerShdw blurRad="57150" dist="19050" dir="5400000" algn="ctr" rotWithShape="0">
+              <a:srgbClr val="000000">
+                <a:alpha val="63000"/>
+              </a:srgbClr>
+            </a:outerShdw>
+          </a:effectLst>
+        </a:effectStyle>
+      </a:effectStyleLst>
+      <a:bgFillStyleLst>
+        <a:solidFill>
+          <a:schemeClr val="phClr"/>
+        </a:solidFill>
+        <a:solidFill>
+          <a:schemeClr val="phClr">
+            <a:tint val="95000"/>
+            <a:satMod val="170000"/>
+          </a:schemeClr>
+        </a:solidFill>
+        <a:gradFill rotWithShape="1">
+          <a:gsLst>
+            <a:gs pos="0">
+              <a:schemeClr val="phClr">
+                <a:tint val="93000"/>
+                <a:satMod val="150000"/>
+                <a:shade val="98000"/>
+                <a:lumMod val="102000"/>
+              </a:schemeClr>
+            </a:gs>
+            <a:gs pos="50000">
+              <a:schemeClr val="phClr">
+                <a:tint val="98000"/>
+                <a:satMod val="130000"/>
+                <a:shade val="90000"/>
+                <a:lumMod val="103000"/>
+              </a:schemeClr>
+            </a:gs>
+            <a:gs pos="100000">
+              <a:schemeClr val="phClr">
+                <a:shade val="63000"/>
+                <a:satMod val="120000"/>
+              </a:schemeClr>
+            </a:gs>
+          </a:gsLst>
+          <a:lin ang="5400000" scaled="0"/>
+        </a:gradFill>
+      </a:bgFillStyleLst>
+    </a:fmtScheme>
+  </a:themeElements>
+  <a:objectDefaults/>
+  <a:extraClrSchemeLst/>
+  <a:extLst>
+    <a:ext uri="{05A4C25C-085E-4340-85A3-A5531E510DB2}">
+      <thm15:themeFamily xmlns:thm15="http://schemas.microsoft.com/office/thememl/2012/main" name="Office Theme" id="{62F939B6-93AF-4DB8-9C6B-D6C7DFDC589F}" vid="{4A3C46E8-61CC-4603-A589-7422A47A8E4A}"/>
     </a:ext>
   </a:extLst>
 </a:theme>
